--- a/pre.pptx
+++ b/pre.pptx
@@ -9,9 +9,13 @@
     <p:sldId id="257" r:id="rId3"/>
     <p:sldId id="258" r:id="rId4"/>
     <p:sldId id="259" r:id="rId5"/>
-    <p:sldId id="260" r:id="rId6"/>
-    <p:sldId id="261" r:id="rId7"/>
-    <p:sldId id="262" r:id="rId8"/>
+    <p:sldId id="263" r:id="rId6"/>
+    <p:sldId id="260" r:id="rId7"/>
+    <p:sldId id="265" r:id="rId8"/>
+    <p:sldId id="267" r:id="rId9"/>
+    <p:sldId id="266" r:id="rId10"/>
+    <p:sldId id="264" r:id="rId11"/>
+    <p:sldId id="261" r:id="rId12"/>
   </p:sldIdLst>
   <p:sldSz cx="12192000" cy="6858000"/>
   <p:notesSz cx="6858000" cy="9144000"/>
@@ -110,6 +114,11 @@
       </a:defRPr>
     </a:lvl9pPr>
   </p:defaultTextStyle>
+  <p:extLst>
+    <p:ext uri="{EFAFB233-063F-42B5-8137-9DF3F51BA10A}">
+      <p15:sldGuideLst xmlns:p15="http://schemas.microsoft.com/office/powerpoint/2012/main"/>
+    </p:ext>
+  </p:extLst>
 </p:presentation>
 </file>
 
@@ -260,7 +269,7 @@
           <a:p>
             <a:fld id="{B7D1AC75-99D0-441F-A149-CD2C9D91E315}" type="datetimeFigureOut">
               <a:rPr lang="zh-CN" altLang="en-US" smtClean="0"/>
-              <a:t>2022-01-04</a:t>
+              <a:t>2022-01-07</a:t>
             </a:fld>
             <a:endParaRPr lang="zh-CN" altLang="en-US"/>
           </a:p>
@@ -458,7 +467,7 @@
           <a:p>
             <a:fld id="{B7D1AC75-99D0-441F-A149-CD2C9D91E315}" type="datetimeFigureOut">
               <a:rPr lang="zh-CN" altLang="en-US" smtClean="0"/>
-              <a:t>2022-01-04</a:t>
+              <a:t>2022-01-07</a:t>
             </a:fld>
             <a:endParaRPr lang="zh-CN" altLang="en-US"/>
           </a:p>
@@ -666,7 +675,7 @@
           <a:p>
             <a:fld id="{B7D1AC75-99D0-441F-A149-CD2C9D91E315}" type="datetimeFigureOut">
               <a:rPr lang="zh-CN" altLang="en-US" smtClean="0"/>
-              <a:t>2022-01-04</a:t>
+              <a:t>2022-01-07</a:t>
             </a:fld>
             <a:endParaRPr lang="zh-CN" altLang="en-US"/>
           </a:p>
@@ -864,7 +873,7 @@
           <a:p>
             <a:fld id="{B7D1AC75-99D0-441F-A149-CD2C9D91E315}" type="datetimeFigureOut">
               <a:rPr lang="zh-CN" altLang="en-US" smtClean="0"/>
-              <a:t>2022-01-04</a:t>
+              <a:t>2022-01-07</a:t>
             </a:fld>
             <a:endParaRPr lang="zh-CN" altLang="en-US"/>
           </a:p>
@@ -1139,7 +1148,7 @@
           <a:p>
             <a:fld id="{B7D1AC75-99D0-441F-A149-CD2C9D91E315}" type="datetimeFigureOut">
               <a:rPr lang="zh-CN" altLang="en-US" smtClean="0"/>
-              <a:t>2022-01-04</a:t>
+              <a:t>2022-01-07</a:t>
             </a:fld>
             <a:endParaRPr lang="zh-CN" altLang="en-US"/>
           </a:p>
@@ -1404,7 +1413,7 @@
           <a:p>
             <a:fld id="{B7D1AC75-99D0-441F-A149-CD2C9D91E315}" type="datetimeFigureOut">
               <a:rPr lang="zh-CN" altLang="en-US" smtClean="0"/>
-              <a:t>2022-01-04</a:t>
+              <a:t>2022-01-07</a:t>
             </a:fld>
             <a:endParaRPr lang="zh-CN" altLang="en-US"/>
           </a:p>
@@ -1816,7 +1825,7 @@
           <a:p>
             <a:fld id="{B7D1AC75-99D0-441F-A149-CD2C9D91E315}" type="datetimeFigureOut">
               <a:rPr lang="zh-CN" altLang="en-US" smtClean="0"/>
-              <a:t>2022-01-04</a:t>
+              <a:t>2022-01-07</a:t>
             </a:fld>
             <a:endParaRPr lang="zh-CN" altLang="en-US"/>
           </a:p>
@@ -1957,7 +1966,7 @@
           <a:p>
             <a:fld id="{B7D1AC75-99D0-441F-A149-CD2C9D91E315}" type="datetimeFigureOut">
               <a:rPr lang="zh-CN" altLang="en-US" smtClean="0"/>
-              <a:t>2022-01-04</a:t>
+              <a:t>2022-01-07</a:t>
             </a:fld>
             <a:endParaRPr lang="zh-CN" altLang="en-US"/>
           </a:p>
@@ -2070,7 +2079,7 @@
           <a:p>
             <a:fld id="{B7D1AC75-99D0-441F-A149-CD2C9D91E315}" type="datetimeFigureOut">
               <a:rPr lang="zh-CN" altLang="en-US" smtClean="0"/>
-              <a:t>2022-01-04</a:t>
+              <a:t>2022-01-07</a:t>
             </a:fld>
             <a:endParaRPr lang="zh-CN" altLang="en-US"/>
           </a:p>
@@ -2381,7 +2390,7 @@
           <a:p>
             <a:fld id="{B7D1AC75-99D0-441F-A149-CD2C9D91E315}" type="datetimeFigureOut">
               <a:rPr lang="zh-CN" altLang="en-US" smtClean="0"/>
-              <a:t>2022-01-04</a:t>
+              <a:t>2022-01-07</a:t>
             </a:fld>
             <a:endParaRPr lang="zh-CN" altLang="en-US"/>
           </a:p>
@@ -2669,7 +2678,7 @@
           <a:p>
             <a:fld id="{B7D1AC75-99D0-441F-A149-CD2C9D91E315}" type="datetimeFigureOut">
               <a:rPr lang="zh-CN" altLang="en-US" smtClean="0"/>
-              <a:t>2022-01-04</a:t>
+              <a:t>2022-01-07</a:t>
             </a:fld>
             <a:endParaRPr lang="zh-CN" altLang="en-US"/>
           </a:p>
@@ -2910,7 +2919,7 @@
           <a:p>
             <a:fld id="{B7D1AC75-99D0-441F-A149-CD2C9D91E315}" type="datetimeFigureOut">
               <a:rPr lang="zh-CN" altLang="en-US" smtClean="0"/>
-              <a:t>2022-01-04</a:t>
+              <a:t>2022-01-07</a:t>
             </a:fld>
             <a:endParaRPr lang="zh-CN" altLang="en-US"/>
           </a:p>
@@ -3472,51 +3481,6 @@
           </a:p>
         </p:txBody>
       </p:sp>
-      <p:pic>
-        <p:nvPicPr>
-          <p:cNvPr id="1026" name="Picture 2" descr="Example of Markov chain for workload prediction.">
-            <a:extLst>
-              <a:ext uri="{FF2B5EF4-FFF2-40B4-BE49-F238E27FC236}">
-                <a16:creationId xmlns:a16="http://schemas.microsoft.com/office/drawing/2014/main" id="{11196D7D-788C-4810-A698-8F6759F922FF}"/>
-              </a:ext>
-            </a:extLst>
-          </p:cNvPr>
-          <p:cNvPicPr>
-            <a:picLocks noChangeAspect="1" noChangeArrowheads="1"/>
-          </p:cNvPicPr>
-          <p:nvPr/>
-        </p:nvPicPr>
-        <p:blipFill rotWithShape="1">
-          <a:blip r:embed="rId2">
-            <a:extLst>
-              <a:ext uri="{28A0092B-C50C-407E-A947-70E740481C1C}">
-                <a14:useLocalDpi xmlns:a14="http://schemas.microsoft.com/office/drawing/2010/main" val="0"/>
-              </a:ext>
-            </a:extLst>
-          </a:blip>
-          <a:srcRect r="31364"/>
-          <a:stretch/>
-        </p:blipFill>
-        <p:spPr bwMode="auto">
-          <a:xfrm>
-            <a:off x="7641077" y="1794753"/>
-            <a:ext cx="4033687" cy="2990850"/>
-          </a:xfrm>
-          <a:prstGeom prst="rect">
-            <a:avLst/>
-          </a:prstGeom>
-          <a:noFill/>
-          <a:extLst>
-            <a:ext uri="{909E8E84-426E-40DD-AFC4-6F175D3DCCD1}">
-              <a14:hiddenFill xmlns:a14="http://schemas.microsoft.com/office/drawing/2010/main">
-                <a:solidFill>
-                  <a:srgbClr val="FFFFFF"/>
-                </a:solidFill>
-              </a14:hiddenFill>
-            </a:ext>
-          </a:extLst>
-        </p:spPr>
-      </p:pic>
       <p:cxnSp>
         <p:nvCxnSpPr>
           <p:cNvPr id="11" name="直接连接符 10">
@@ -3555,10 +3519,1639 @@
           </a:fontRef>
         </p:style>
       </p:cxnSp>
+      <p:pic>
+        <p:nvPicPr>
+          <p:cNvPr id="3" name="图片 2">
+            <a:extLst>
+              <a:ext uri="{FF2B5EF4-FFF2-40B4-BE49-F238E27FC236}">
+                <a16:creationId xmlns:a16="http://schemas.microsoft.com/office/drawing/2014/main" id="{C97C6467-2B09-4476-8F56-1D7183AABA0C}"/>
+              </a:ext>
+            </a:extLst>
+          </p:cNvPr>
+          <p:cNvPicPr>
+            <a:picLocks noChangeAspect="1"/>
+          </p:cNvPicPr>
+          <p:nvPr/>
+        </p:nvPicPr>
+        <p:blipFill>
+          <a:blip r:embed="rId2">
+            <a:extLst>
+              <a:ext uri="{28A0092B-C50C-407E-A947-70E740481C1C}">
+                <a14:useLocalDpi xmlns:a14="http://schemas.microsoft.com/office/drawing/2010/main" val="0"/>
+              </a:ext>
+            </a:extLst>
+          </a:blip>
+          <a:stretch>
+            <a:fillRect/>
+          </a:stretch>
+        </p:blipFill>
+        <p:spPr>
+          <a:xfrm>
+            <a:off x="7626927" y="2059072"/>
+            <a:ext cx="4038600" cy="2990850"/>
+          </a:xfrm>
+          <a:prstGeom prst="rect">
+            <a:avLst/>
+          </a:prstGeom>
+        </p:spPr>
+      </p:pic>
     </p:spTree>
     <p:extLst>
       <p:ext uri="{BB962C8B-B14F-4D97-AF65-F5344CB8AC3E}">
         <p14:creationId xmlns:p14="http://schemas.microsoft.com/office/powerpoint/2010/main" val="2387466506"/>
+      </p:ext>
+    </p:extLst>
+  </p:cSld>
+  <p:clrMapOvr>
+    <a:masterClrMapping/>
+  </p:clrMapOvr>
+</p:sld>
+</file>
+
+<file path=ppt/slides/slide10.xml><?xml version="1.0" encoding="utf-8"?>
+<p:sld xmlns:a="http://schemas.openxmlformats.org/drawingml/2006/main" xmlns:r="http://schemas.openxmlformats.org/officeDocument/2006/relationships" xmlns:p="http://schemas.openxmlformats.org/presentationml/2006/main">
+  <p:cSld>
+    <p:spTree>
+      <p:nvGrpSpPr>
+        <p:cNvPr id="1" name=""/>
+        <p:cNvGrpSpPr/>
+        <p:nvPr/>
+      </p:nvGrpSpPr>
+      <p:grpSpPr>
+        <a:xfrm>
+          <a:off x="0" y="0"/>
+          <a:ext cx="0" cy="0"/>
+          <a:chOff x="0" y="0"/>
+          <a:chExt cx="0" cy="0"/>
+        </a:xfrm>
+      </p:grpSpPr>
+      <p:sp>
+        <p:nvSpPr>
+          <p:cNvPr id="2" name="标题 1">
+            <a:extLst>
+              <a:ext uri="{FF2B5EF4-FFF2-40B4-BE49-F238E27FC236}">
+                <a16:creationId xmlns:a16="http://schemas.microsoft.com/office/drawing/2014/main" id="{86E0E0C3-A532-462B-947B-D50A72F09BB5}"/>
+              </a:ext>
+            </a:extLst>
+          </p:cNvPr>
+          <p:cNvSpPr>
+            <a:spLocks noGrp="1"/>
+          </p:cNvSpPr>
+          <p:nvPr>
+            <p:ph type="title"/>
+          </p:nvPr>
+        </p:nvSpPr>
+        <p:spPr/>
+        <p:txBody>
+          <a:bodyPr/>
+          <a:lstStyle/>
+          <a:p>
+            <a:r>
+              <a:rPr lang="zh-CN" altLang="zh-CN" b="1" dirty="0"/>
+              <a:t>测试分析</a:t>
+            </a:r>
+            <a:endParaRPr lang="zh-CN" altLang="en-US" dirty="0"/>
+          </a:p>
+        </p:txBody>
+      </p:sp>
+      <p:sp>
+        <p:nvSpPr>
+          <p:cNvPr id="4" name="矩形 3">
+            <a:extLst>
+              <a:ext uri="{FF2B5EF4-FFF2-40B4-BE49-F238E27FC236}">
+                <a16:creationId xmlns:a16="http://schemas.microsoft.com/office/drawing/2014/main" id="{1E525337-A1D7-45D6-8B75-CCF8144BB031}"/>
+              </a:ext>
+            </a:extLst>
+          </p:cNvPr>
+          <p:cNvSpPr/>
+          <p:nvPr/>
+        </p:nvSpPr>
+        <p:spPr>
+          <a:xfrm>
+            <a:off x="838200" y="1690688"/>
+            <a:ext cx="6096000" cy="3693319"/>
+          </a:xfrm>
+          <a:prstGeom prst="rect">
+            <a:avLst/>
+          </a:prstGeom>
+        </p:spPr>
+        <p:txBody>
+          <a:bodyPr>
+            <a:spAutoFit/>
+          </a:bodyPr>
+          <a:lstStyle/>
+          <a:p>
+            <a:pPr algn="just">
+              <a:spcAft>
+                <a:spcPts val="0"/>
+              </a:spcAft>
+            </a:pPr>
+            <a:r>
+              <a:rPr lang="zh-CN" altLang="zh-CN" b="1" kern="100" dirty="0">
+                <a:latin typeface="Times New Roman" panose="02020603050405020304" pitchFamily="18" charset="0"/>
+                <a:ea typeface="宋体" panose="02010600030101010101" pitchFamily="2" charset="-122"/>
+              </a:rPr>
+              <a:t>发现的问题：</a:t>
+            </a:r>
+            <a:endParaRPr lang="zh-CN" altLang="zh-CN" kern="100" dirty="0">
+              <a:latin typeface="Times New Roman" panose="02020603050405020304" pitchFamily="18" charset="0"/>
+              <a:ea typeface="宋体" panose="02010600030101010101" pitchFamily="2" charset="-122"/>
+            </a:endParaRPr>
+          </a:p>
+          <a:p>
+            <a:pPr algn="just">
+              <a:spcAft>
+                <a:spcPts val="0"/>
+              </a:spcAft>
+            </a:pPr>
+            <a:r>
+              <a:rPr lang="en-US" altLang="zh-CN" kern="100" dirty="0">
+                <a:latin typeface="Times New Roman" panose="02020603050405020304" pitchFamily="18" charset="0"/>
+                <a:ea typeface="宋体" panose="02010600030101010101" pitchFamily="2" charset="-122"/>
+              </a:rPr>
+              <a:t>1</a:t>
+            </a:r>
+            <a:r>
+              <a:rPr lang="zh-CN" altLang="zh-CN" kern="100" dirty="0">
+                <a:latin typeface="Times New Roman" panose="02020603050405020304" pitchFamily="18" charset="0"/>
+                <a:ea typeface="宋体" panose="02010600030101010101" pitchFamily="2" charset="-122"/>
+              </a:rPr>
+              <a:t>、存在输入数据不符合实际约束条件</a:t>
+            </a:r>
+            <a:r>
+              <a:rPr lang="en-US" altLang="zh-CN" kern="100" dirty="0">
+                <a:latin typeface="Times New Roman" panose="02020603050405020304" pitchFamily="18" charset="0"/>
+                <a:ea typeface="宋体" panose="02010600030101010101" pitchFamily="2" charset="-122"/>
+              </a:rPr>
+              <a:t>(</a:t>
+            </a:r>
+            <a:r>
+              <a:rPr lang="zh-CN" altLang="zh-CN" kern="100" dirty="0">
+                <a:latin typeface="Times New Roman" panose="02020603050405020304" pitchFamily="18" charset="0"/>
+                <a:ea typeface="宋体" panose="02010600030101010101" pitchFamily="2" charset="-122"/>
+              </a:rPr>
+              <a:t>如输入的数小于等于</a:t>
+            </a:r>
+            <a:r>
+              <a:rPr lang="en-US" altLang="zh-CN" kern="100" dirty="0">
+                <a:latin typeface="Times New Roman" panose="02020603050405020304" pitchFamily="18" charset="0"/>
+                <a:ea typeface="宋体" panose="02010600030101010101" pitchFamily="2" charset="-122"/>
+              </a:rPr>
+              <a:t>0</a:t>
+            </a:r>
+            <a:r>
+              <a:rPr lang="zh-CN" altLang="zh-CN" kern="100" dirty="0">
+                <a:latin typeface="Times New Roman" panose="02020603050405020304" pitchFamily="18" charset="0"/>
+                <a:ea typeface="宋体" panose="02010600030101010101" pitchFamily="2" charset="-122"/>
+              </a:rPr>
+              <a:t>或为浮点数，甚至其他字符串</a:t>
+            </a:r>
+            <a:r>
+              <a:rPr lang="en-US" altLang="zh-CN" kern="100" dirty="0">
+                <a:latin typeface="Times New Roman" panose="02020603050405020304" pitchFamily="18" charset="0"/>
+                <a:ea typeface="宋体" panose="02010600030101010101" pitchFamily="2" charset="-122"/>
+              </a:rPr>
+              <a:t>)</a:t>
+            </a:r>
+            <a:r>
+              <a:rPr lang="zh-CN" altLang="zh-CN" kern="100" dirty="0">
+                <a:latin typeface="Times New Roman" panose="02020603050405020304" pitchFamily="18" charset="0"/>
+                <a:ea typeface="宋体" panose="02010600030101010101" pitchFamily="2" charset="-122"/>
+              </a:rPr>
+              <a:t>的风险问题</a:t>
+            </a:r>
+          </a:p>
+          <a:p>
+            <a:pPr algn="just">
+              <a:spcAft>
+                <a:spcPts val="0"/>
+              </a:spcAft>
+            </a:pPr>
+            <a:r>
+              <a:rPr lang="en-US" altLang="zh-CN" kern="100" dirty="0">
+                <a:latin typeface="Times New Roman" panose="02020603050405020304" pitchFamily="18" charset="0"/>
+                <a:ea typeface="宋体" panose="02010600030101010101" pitchFamily="2" charset="-122"/>
+              </a:rPr>
+              <a:t>2</a:t>
+            </a:r>
+            <a:r>
+              <a:rPr lang="zh-CN" altLang="zh-CN" kern="100" dirty="0">
+                <a:latin typeface="Times New Roman" panose="02020603050405020304" pitchFamily="18" charset="0"/>
+                <a:ea typeface="宋体" panose="02010600030101010101" pitchFamily="2" charset="-122"/>
+              </a:rPr>
+              <a:t>、如果用户上传的文本并非</a:t>
+            </a:r>
+            <a:r>
+              <a:rPr lang="en-US" altLang="zh-CN" kern="100" dirty="0">
+                <a:latin typeface="Times New Roman" panose="02020603050405020304" pitchFamily="18" charset="0"/>
+                <a:ea typeface="宋体" panose="02010600030101010101" pitchFamily="2" charset="-122"/>
+              </a:rPr>
+              <a:t>.txt</a:t>
+            </a:r>
+            <a:r>
+              <a:rPr lang="zh-CN" altLang="zh-CN" kern="100" dirty="0">
+                <a:latin typeface="Times New Roman" panose="02020603050405020304" pitchFamily="18" charset="0"/>
+                <a:ea typeface="宋体" panose="02010600030101010101" pitchFamily="2" charset="-122"/>
+              </a:rPr>
+              <a:t>格式的文件，网页会报错。因为后端无法解析这样的文字，有一部分可以被后端解析的文字中间含有非法字符会导致程序崩溃。</a:t>
+            </a:r>
+          </a:p>
+          <a:p>
+            <a:pPr algn="just">
+              <a:spcAft>
+                <a:spcPts val="0"/>
+              </a:spcAft>
+            </a:pPr>
+            <a:r>
+              <a:rPr lang="en-US" altLang="zh-CN" kern="100" dirty="0">
+                <a:latin typeface="Times New Roman" panose="02020603050405020304" pitchFamily="18" charset="0"/>
+                <a:ea typeface="宋体" panose="02010600030101010101" pitchFamily="2" charset="-122"/>
+              </a:rPr>
+              <a:t> </a:t>
+            </a:r>
+            <a:endParaRPr lang="zh-CN" altLang="zh-CN" kern="100" dirty="0">
+              <a:latin typeface="Times New Roman" panose="02020603050405020304" pitchFamily="18" charset="0"/>
+              <a:ea typeface="宋体" panose="02010600030101010101" pitchFamily="2" charset="-122"/>
+            </a:endParaRPr>
+          </a:p>
+          <a:p>
+            <a:pPr algn="just">
+              <a:spcAft>
+                <a:spcPts val="0"/>
+              </a:spcAft>
+            </a:pPr>
+            <a:r>
+              <a:rPr lang="en-US" altLang="zh-CN" kern="100" dirty="0">
+                <a:latin typeface="Times New Roman" panose="02020603050405020304" pitchFamily="18" charset="0"/>
+                <a:ea typeface="宋体" panose="02010600030101010101" pitchFamily="2" charset="-122"/>
+              </a:rPr>
+              <a:t> </a:t>
+            </a:r>
+            <a:endParaRPr lang="zh-CN" altLang="zh-CN" kern="100" dirty="0">
+              <a:latin typeface="Times New Roman" panose="02020603050405020304" pitchFamily="18" charset="0"/>
+              <a:ea typeface="宋体" panose="02010600030101010101" pitchFamily="2" charset="-122"/>
+            </a:endParaRPr>
+          </a:p>
+          <a:p>
+            <a:pPr algn="just">
+              <a:spcAft>
+                <a:spcPts val="0"/>
+              </a:spcAft>
+            </a:pPr>
+            <a:r>
+              <a:rPr lang="zh-CN" altLang="zh-CN" b="1" kern="100" dirty="0">
+                <a:latin typeface="Times New Roman" panose="02020603050405020304" pitchFamily="18" charset="0"/>
+                <a:ea typeface="宋体" panose="02010600030101010101" pitchFamily="2" charset="-122"/>
+              </a:rPr>
+              <a:t>解决方案：</a:t>
+            </a:r>
+            <a:endParaRPr lang="zh-CN" altLang="zh-CN" kern="100" dirty="0">
+              <a:latin typeface="Times New Roman" panose="02020603050405020304" pitchFamily="18" charset="0"/>
+              <a:ea typeface="宋体" panose="02010600030101010101" pitchFamily="2" charset="-122"/>
+            </a:endParaRPr>
+          </a:p>
+          <a:p>
+            <a:pPr algn="just">
+              <a:spcAft>
+                <a:spcPts val="0"/>
+              </a:spcAft>
+            </a:pPr>
+            <a:r>
+              <a:rPr lang="en-US" altLang="zh-CN" kern="100" dirty="0">
+                <a:latin typeface="Times New Roman" panose="02020603050405020304" pitchFamily="18" charset="0"/>
+                <a:ea typeface="宋体" panose="02010600030101010101" pitchFamily="2" charset="-122"/>
+              </a:rPr>
+              <a:t>1</a:t>
+            </a:r>
+            <a:r>
+              <a:rPr lang="zh-CN" altLang="zh-CN" kern="100" dirty="0">
+                <a:latin typeface="Times New Roman" panose="02020603050405020304" pitchFamily="18" charset="0"/>
+                <a:ea typeface="宋体" panose="02010600030101010101" pitchFamily="2" charset="-122"/>
+              </a:rPr>
+              <a:t>、考虑到页面显示与最终效果，我们将生成句数约束在</a:t>
+            </a:r>
+            <a:r>
+              <a:rPr lang="en-US" altLang="zh-CN" kern="100" dirty="0">
+                <a:latin typeface="Times New Roman" panose="02020603050405020304" pitchFamily="18" charset="0"/>
+                <a:ea typeface="宋体" panose="02010600030101010101" pitchFamily="2" charset="-122"/>
+              </a:rPr>
+              <a:t>0</a:t>
+            </a:r>
+            <a:r>
+              <a:rPr lang="zh-CN" altLang="zh-CN" kern="100" dirty="0">
+                <a:latin typeface="Times New Roman" panose="02020603050405020304" pitchFamily="18" charset="0"/>
+                <a:ea typeface="宋体" panose="02010600030101010101" pitchFamily="2" charset="-122"/>
+              </a:rPr>
+              <a:t>～</a:t>
+            </a:r>
+            <a:r>
+              <a:rPr lang="en-US" altLang="zh-CN" kern="100" dirty="0">
+                <a:latin typeface="Times New Roman" panose="02020603050405020304" pitchFamily="18" charset="0"/>
+                <a:ea typeface="宋体" panose="02010600030101010101" pitchFamily="2" charset="-122"/>
+              </a:rPr>
+              <a:t>1000</a:t>
+            </a:r>
+            <a:r>
+              <a:rPr lang="zh-CN" altLang="zh-CN" kern="100" dirty="0">
+                <a:latin typeface="Times New Roman" panose="02020603050405020304" pitchFamily="18" charset="0"/>
+                <a:ea typeface="宋体" panose="02010600030101010101" pitchFamily="2" charset="-122"/>
+              </a:rPr>
+              <a:t>的正整数中，并预设定为</a:t>
+            </a:r>
+            <a:r>
+              <a:rPr lang="en-US" altLang="zh-CN" kern="100" dirty="0">
+                <a:latin typeface="Times New Roman" panose="02020603050405020304" pitchFamily="18" charset="0"/>
+                <a:ea typeface="宋体" panose="02010600030101010101" pitchFamily="2" charset="-122"/>
+              </a:rPr>
+              <a:t>10</a:t>
+            </a:r>
+            <a:r>
+              <a:rPr lang="zh-CN" altLang="zh-CN" kern="100" dirty="0">
+                <a:latin typeface="Times New Roman" panose="02020603050405020304" pitchFamily="18" charset="0"/>
+                <a:ea typeface="宋体" panose="02010600030101010101" pitchFamily="2" charset="-122"/>
+              </a:rPr>
+              <a:t>。</a:t>
+            </a:r>
+          </a:p>
+          <a:p>
+            <a:pPr algn="just">
+              <a:spcAft>
+                <a:spcPts val="0"/>
+              </a:spcAft>
+            </a:pPr>
+            <a:r>
+              <a:rPr lang="en-US" altLang="zh-CN" kern="100" dirty="0">
+                <a:latin typeface="Times New Roman" panose="02020603050405020304" pitchFamily="18" charset="0"/>
+                <a:ea typeface="宋体" panose="02010600030101010101" pitchFamily="2" charset="-122"/>
+              </a:rPr>
+              <a:t>2</a:t>
+            </a:r>
+            <a:r>
+              <a:rPr lang="zh-CN" altLang="zh-CN" kern="100" dirty="0">
+                <a:latin typeface="Times New Roman" panose="02020603050405020304" pitchFamily="18" charset="0"/>
+                <a:ea typeface="宋体" panose="02010600030101010101" pitchFamily="2" charset="-122"/>
+              </a:rPr>
+              <a:t>、首先在前端的上传选项中只保留</a:t>
+            </a:r>
+            <a:r>
+              <a:rPr lang="en-US" altLang="zh-CN" kern="100" dirty="0">
+                <a:latin typeface="Times New Roman" panose="02020603050405020304" pitchFamily="18" charset="0"/>
+                <a:ea typeface="宋体" panose="02010600030101010101" pitchFamily="2" charset="-122"/>
+              </a:rPr>
+              <a:t>.txt</a:t>
+            </a:r>
+            <a:r>
+              <a:rPr lang="zh-CN" altLang="zh-CN" kern="100" dirty="0">
+                <a:latin typeface="Times New Roman" panose="02020603050405020304" pitchFamily="18" charset="0"/>
+                <a:ea typeface="宋体" panose="02010600030101010101" pitchFamily="2" charset="-122"/>
+              </a:rPr>
+              <a:t>格式的文件，其次在后端使用</a:t>
+            </a:r>
+            <a:r>
+              <a:rPr lang="en-US" altLang="zh-CN" kern="100" dirty="0">
+                <a:latin typeface="Times New Roman" panose="02020603050405020304" pitchFamily="18" charset="0"/>
+                <a:ea typeface="宋体" panose="02010600030101010101" pitchFamily="2" charset="-122"/>
+              </a:rPr>
+              <a:t>try/except</a:t>
+            </a:r>
+            <a:r>
+              <a:rPr lang="zh-CN" altLang="zh-CN" kern="100" dirty="0">
+                <a:latin typeface="Times New Roman" panose="02020603050405020304" pitchFamily="18" charset="0"/>
+                <a:ea typeface="宋体" panose="02010600030101010101" pitchFamily="2" charset="-122"/>
+              </a:rPr>
+              <a:t>但检测到异常时，直接返回提示文字。</a:t>
+            </a:r>
+          </a:p>
+        </p:txBody>
+      </p:sp>
+    </p:spTree>
+    <p:extLst>
+      <p:ext uri="{BB962C8B-B14F-4D97-AF65-F5344CB8AC3E}">
+        <p14:creationId xmlns:p14="http://schemas.microsoft.com/office/powerpoint/2010/main" val="3950783815"/>
+      </p:ext>
+    </p:extLst>
+  </p:cSld>
+  <p:clrMapOvr>
+    <a:masterClrMapping/>
+  </p:clrMapOvr>
+</p:sld>
+</file>
+
+<file path=ppt/slides/slide11.xml><?xml version="1.0" encoding="utf-8"?>
+<p:sld xmlns:a="http://schemas.openxmlformats.org/drawingml/2006/main" xmlns:r="http://schemas.openxmlformats.org/officeDocument/2006/relationships" xmlns:p="http://schemas.openxmlformats.org/presentationml/2006/main">
+  <p:cSld>
+    <p:spTree>
+      <p:nvGrpSpPr>
+        <p:cNvPr id="1" name=""/>
+        <p:cNvGrpSpPr/>
+        <p:nvPr/>
+      </p:nvGrpSpPr>
+      <p:grpSpPr>
+        <a:xfrm>
+          <a:off x="0" y="0"/>
+          <a:ext cx="0" cy="0"/>
+          <a:chOff x="0" y="0"/>
+          <a:chExt cx="0" cy="0"/>
+        </a:xfrm>
+      </p:grpSpPr>
+      <p:sp>
+        <p:nvSpPr>
+          <p:cNvPr id="2" name="标题 1">
+            <a:extLst>
+              <a:ext uri="{FF2B5EF4-FFF2-40B4-BE49-F238E27FC236}">
+                <a16:creationId xmlns:a16="http://schemas.microsoft.com/office/drawing/2014/main" id="{86E0E0C3-A532-462B-947B-D50A72F09BB5}"/>
+              </a:ext>
+            </a:extLst>
+          </p:cNvPr>
+          <p:cNvSpPr>
+            <a:spLocks noGrp="1"/>
+          </p:cNvSpPr>
+          <p:nvPr>
+            <p:ph type="title"/>
+          </p:nvPr>
+        </p:nvSpPr>
+        <p:spPr/>
+        <p:txBody>
+          <a:bodyPr/>
+          <a:lstStyle/>
+          <a:p>
+            <a:r>
+              <a:rPr lang="zh-CN" altLang="en-US" b="1" dirty="0">
+                <a:latin typeface="+mj-ea"/>
+              </a:rPr>
+              <a:t>小组分工</a:t>
+            </a:r>
+          </a:p>
+        </p:txBody>
+      </p:sp>
+      <p:graphicFrame>
+        <p:nvGraphicFramePr>
+          <p:cNvPr id="4" name="内容占位符 3">
+            <a:extLst>
+              <a:ext uri="{FF2B5EF4-FFF2-40B4-BE49-F238E27FC236}">
+                <a16:creationId xmlns:a16="http://schemas.microsoft.com/office/drawing/2014/main" id="{2E2C7713-1159-4404-A16F-B45C728ED8C8}"/>
+              </a:ext>
+            </a:extLst>
+          </p:cNvPr>
+          <p:cNvGraphicFramePr>
+            <a:graphicFrameLocks noGrp="1"/>
+          </p:cNvGraphicFramePr>
+          <p:nvPr>
+            <p:ph idx="1"/>
+            <p:extLst>
+              <p:ext uri="{D42A27DB-BD31-4B8C-83A1-F6EECF244321}">
+                <p14:modId xmlns:p14="http://schemas.microsoft.com/office/powerpoint/2010/main" val="552253938"/>
+              </p:ext>
+            </p:extLst>
+          </p:nvPr>
+        </p:nvGraphicFramePr>
+        <p:xfrm>
+          <a:off x="3931920" y="2456656"/>
+          <a:ext cx="4328160" cy="2948464"/>
+        </p:xfrm>
+        <a:graphic>
+          <a:graphicData uri="http://schemas.openxmlformats.org/drawingml/2006/table">
+            <a:tbl>
+              <a:tblPr>
+                <a:tableStyleId>{5C22544A-7EE6-4342-B048-85BDC9FD1C3A}</a:tableStyleId>
+              </a:tblPr>
+              <a:tblGrid>
+                <a:gridCol w="559177">
+                  <a:extLst>
+                    <a:ext uri="{9D8B030D-6E8A-4147-A177-3AD203B41FA5}">
+                      <a16:colId xmlns:a16="http://schemas.microsoft.com/office/drawing/2014/main" val="2583114584"/>
+                    </a:ext>
+                  </a:extLst>
+                </a:gridCol>
+                <a:gridCol w="719667">
+                  <a:extLst>
+                    <a:ext uri="{9D8B030D-6E8A-4147-A177-3AD203B41FA5}">
+                      <a16:colId xmlns:a16="http://schemas.microsoft.com/office/drawing/2014/main" val="721590297"/>
+                    </a:ext>
+                  </a:extLst>
+                </a:gridCol>
+                <a:gridCol w="720175">
+                  <a:extLst>
+                    <a:ext uri="{9D8B030D-6E8A-4147-A177-3AD203B41FA5}">
+                      <a16:colId xmlns:a16="http://schemas.microsoft.com/office/drawing/2014/main" val="354733117"/>
+                    </a:ext>
+                  </a:extLst>
+                </a:gridCol>
+                <a:gridCol w="1583572">
+                  <a:extLst>
+                    <a:ext uri="{9D8B030D-6E8A-4147-A177-3AD203B41FA5}">
+                      <a16:colId xmlns:a16="http://schemas.microsoft.com/office/drawing/2014/main" val="2561895378"/>
+                    </a:ext>
+                  </a:extLst>
+                </a:gridCol>
+                <a:gridCol w="745569">
+                  <a:extLst>
+                    <a:ext uri="{9D8B030D-6E8A-4147-A177-3AD203B41FA5}">
+                      <a16:colId xmlns:a16="http://schemas.microsoft.com/office/drawing/2014/main" val="42618788"/>
+                    </a:ext>
+                  </a:extLst>
+                </a:gridCol>
+              </a:tblGrid>
+              <a:tr h="540544">
+                <a:tc>
+                  <a:txBody>
+                    <a:bodyPr/>
+                    <a:lstStyle/>
+                    <a:p>
+                      <a:pPr algn="ctr">
+                        <a:spcAft>
+                          <a:spcPts val="0"/>
+                        </a:spcAft>
+                      </a:pPr>
+                      <a:r>
+                        <a:rPr lang="zh-CN" sz="1050" kern="100">
+                          <a:effectLst/>
+                        </a:rPr>
+                        <a:t>计科</a:t>
+                      </a:r>
+                      <a:r>
+                        <a:rPr lang="en-US" sz="1050" kern="100">
+                          <a:effectLst/>
+                        </a:rPr>
+                        <a:t>A2001</a:t>
+                      </a:r>
+                      <a:endParaRPr lang="zh-CN" sz="1050" kern="100">
+                        <a:effectLst/>
+                        <a:latin typeface="Times New Roman" panose="02020603050405020304" pitchFamily="18" charset="0"/>
+                        <a:ea typeface="宋体" panose="02010600030101010101" pitchFamily="2" charset="-122"/>
+                      </a:endParaRPr>
+                    </a:p>
+                  </a:txBody>
+                  <a:tcPr marL="68580" marR="68580" marT="0" marB="0" anchor="ctr"/>
+                </a:tc>
+                <a:tc>
+                  <a:txBody>
+                    <a:bodyPr/>
+                    <a:lstStyle/>
+                    <a:p>
+                      <a:pPr algn="ctr">
+                        <a:spcAft>
+                          <a:spcPts val="0"/>
+                        </a:spcAft>
+                      </a:pPr>
+                      <a:r>
+                        <a:rPr lang="en-US" sz="1050" kern="100">
+                          <a:effectLst/>
+                        </a:rPr>
+                        <a:t>2019080184</a:t>
+                      </a:r>
+                      <a:endParaRPr lang="zh-CN" sz="1050" kern="100">
+                        <a:effectLst/>
+                        <a:latin typeface="Times New Roman" panose="02020603050405020304" pitchFamily="18" charset="0"/>
+                        <a:ea typeface="宋体" panose="02010600030101010101" pitchFamily="2" charset="-122"/>
+                      </a:endParaRPr>
+                    </a:p>
+                  </a:txBody>
+                  <a:tcPr marL="68580" marR="68580" marT="0" marB="0" anchor="ctr"/>
+                </a:tc>
+                <a:tc>
+                  <a:txBody>
+                    <a:bodyPr/>
+                    <a:lstStyle/>
+                    <a:p>
+                      <a:pPr algn="ctr">
+                        <a:spcAft>
+                          <a:spcPts val="0"/>
+                        </a:spcAft>
+                      </a:pPr>
+                      <a:r>
+                        <a:rPr lang="zh-CN" sz="1050" kern="100" dirty="0">
+                          <a:effectLst/>
+                        </a:rPr>
+                        <a:t>邓岳</a:t>
+                      </a:r>
+                      <a:endParaRPr lang="zh-CN" sz="1050" kern="100" dirty="0">
+                        <a:effectLst/>
+                        <a:latin typeface="Times New Roman" panose="02020603050405020304" pitchFamily="18" charset="0"/>
+                        <a:ea typeface="宋体" panose="02010600030101010101" pitchFamily="2" charset="-122"/>
+                      </a:endParaRPr>
+                    </a:p>
+                  </a:txBody>
+                  <a:tcPr marL="68580" marR="68580" marT="0" marB="0" anchor="ctr"/>
+                </a:tc>
+                <a:tc>
+                  <a:txBody>
+                    <a:bodyPr/>
+                    <a:lstStyle/>
+                    <a:p>
+                      <a:pPr algn="ctr">
+                        <a:spcAft>
+                          <a:spcPts val="0"/>
+                        </a:spcAft>
+                      </a:pPr>
+                      <a:r>
+                        <a:rPr lang="en-US" sz="1050" kern="100">
+                          <a:effectLst/>
+                        </a:rPr>
+                        <a:t> </a:t>
+                      </a:r>
+                      <a:endParaRPr lang="zh-CN" sz="1050" kern="100">
+                        <a:effectLst/>
+                        <a:latin typeface="Times New Roman" panose="02020603050405020304" pitchFamily="18" charset="0"/>
+                        <a:ea typeface="宋体" panose="02010600030101010101" pitchFamily="2" charset="-122"/>
+                      </a:endParaRPr>
+                    </a:p>
+                  </a:txBody>
+                  <a:tcPr marL="68580" marR="68580" marT="0" marB="0" anchor="ctr"/>
+                </a:tc>
+                <a:tc>
+                  <a:txBody>
+                    <a:bodyPr/>
+                    <a:lstStyle/>
+                    <a:p>
+                      <a:pPr algn="ctr">
+                        <a:spcAft>
+                          <a:spcPts val="0"/>
+                        </a:spcAft>
+                      </a:pPr>
+                      <a:r>
+                        <a:rPr lang="en-US" sz="1050" kern="100">
+                          <a:effectLst/>
+                        </a:rPr>
+                        <a:t>A+</a:t>
+                      </a:r>
+                      <a:endParaRPr lang="zh-CN" sz="1050" kern="100">
+                        <a:effectLst/>
+                        <a:latin typeface="Times New Roman" panose="02020603050405020304" pitchFamily="18" charset="0"/>
+                        <a:ea typeface="宋体" panose="02010600030101010101" pitchFamily="2" charset="-122"/>
+                      </a:endParaRPr>
+                    </a:p>
+                  </a:txBody>
+                  <a:tcPr marL="68580" marR="68580" marT="0" marB="0" anchor="ctr"/>
+                </a:tc>
+                <a:extLst>
+                  <a:ext uri="{0D108BD9-81ED-4DB2-BD59-A6C34878D82A}">
+                    <a16:rowId xmlns:a16="http://schemas.microsoft.com/office/drawing/2014/main" val="4099325793"/>
+                  </a:ext>
+                </a:extLst>
+              </a:tr>
+              <a:tr h="807720">
+                <a:tc>
+                  <a:txBody>
+                    <a:bodyPr/>
+                    <a:lstStyle/>
+                    <a:p>
+                      <a:pPr algn="ctr">
+                        <a:spcAft>
+                          <a:spcPts val="0"/>
+                        </a:spcAft>
+                      </a:pPr>
+                      <a:r>
+                        <a:rPr lang="zh-CN" sz="1050" kern="100">
+                          <a:effectLst/>
+                        </a:rPr>
+                        <a:t>计科</a:t>
+                      </a:r>
+                      <a:r>
+                        <a:rPr lang="en-US" sz="1050" kern="100">
+                          <a:effectLst/>
+                        </a:rPr>
+                        <a:t>A2001</a:t>
+                      </a:r>
+                      <a:endParaRPr lang="zh-CN" sz="1050" kern="100">
+                        <a:effectLst/>
+                        <a:latin typeface="Times New Roman" panose="02020603050405020304" pitchFamily="18" charset="0"/>
+                        <a:ea typeface="宋体" panose="02010600030101010101" pitchFamily="2" charset="-122"/>
+                      </a:endParaRPr>
+                    </a:p>
+                  </a:txBody>
+                  <a:tcPr marL="68580" marR="68580" marT="0" marB="0" anchor="ctr"/>
+                </a:tc>
+                <a:tc>
+                  <a:txBody>
+                    <a:bodyPr/>
+                    <a:lstStyle/>
+                    <a:p>
+                      <a:pPr algn="ctr">
+                        <a:spcAft>
+                          <a:spcPts val="0"/>
+                        </a:spcAft>
+                      </a:pPr>
+                      <a:r>
+                        <a:rPr lang="en-US" sz="1050" kern="100">
+                          <a:effectLst/>
+                        </a:rPr>
+                        <a:t>2020020360</a:t>
+                      </a:r>
+                      <a:endParaRPr lang="zh-CN" sz="1050" kern="100">
+                        <a:effectLst/>
+                        <a:latin typeface="Times New Roman" panose="02020603050405020304" pitchFamily="18" charset="0"/>
+                        <a:ea typeface="宋体" panose="02010600030101010101" pitchFamily="2" charset="-122"/>
+                      </a:endParaRPr>
+                    </a:p>
+                  </a:txBody>
+                  <a:tcPr marL="68580" marR="68580" marT="0" marB="0" anchor="ctr"/>
+                </a:tc>
+                <a:tc>
+                  <a:txBody>
+                    <a:bodyPr/>
+                    <a:lstStyle/>
+                    <a:p>
+                      <a:pPr algn="ctr">
+                        <a:spcAft>
+                          <a:spcPts val="0"/>
+                        </a:spcAft>
+                      </a:pPr>
+                      <a:r>
+                        <a:rPr lang="zh-CN" sz="1050" kern="100">
+                          <a:effectLst/>
+                        </a:rPr>
+                        <a:t>熊圳</a:t>
+                      </a:r>
+                      <a:endParaRPr lang="zh-CN" sz="1050" kern="100">
+                        <a:effectLst/>
+                        <a:latin typeface="Times New Roman" panose="02020603050405020304" pitchFamily="18" charset="0"/>
+                        <a:ea typeface="宋体" panose="02010600030101010101" pitchFamily="2" charset="-122"/>
+                      </a:endParaRPr>
+                    </a:p>
+                  </a:txBody>
+                  <a:tcPr marL="68580" marR="68580" marT="0" marB="0" anchor="ctr"/>
+                </a:tc>
+                <a:tc>
+                  <a:txBody>
+                    <a:bodyPr/>
+                    <a:lstStyle/>
+                    <a:p>
+                      <a:pPr algn="ctr">
+                        <a:spcAft>
+                          <a:spcPts val="0"/>
+                        </a:spcAft>
+                      </a:pPr>
+                      <a:r>
+                        <a:rPr lang="en-US" sz="1050" kern="100" dirty="0">
+                          <a:effectLst/>
+                        </a:rPr>
+                        <a:t> </a:t>
+                      </a:r>
+                      <a:endParaRPr lang="zh-CN" sz="1050" kern="100" dirty="0">
+                        <a:effectLst/>
+                        <a:latin typeface="Times New Roman" panose="02020603050405020304" pitchFamily="18" charset="0"/>
+                        <a:ea typeface="宋体" panose="02010600030101010101" pitchFamily="2" charset="-122"/>
+                      </a:endParaRPr>
+                    </a:p>
+                  </a:txBody>
+                  <a:tcPr marL="68580" marR="68580" marT="0" marB="0" anchor="ctr"/>
+                </a:tc>
+                <a:tc>
+                  <a:txBody>
+                    <a:bodyPr/>
+                    <a:lstStyle/>
+                    <a:p>
+                      <a:pPr algn="ctr">
+                        <a:spcAft>
+                          <a:spcPts val="0"/>
+                        </a:spcAft>
+                      </a:pPr>
+                      <a:r>
+                        <a:rPr lang="en-US" sz="1050" kern="100">
+                          <a:effectLst/>
+                        </a:rPr>
+                        <a:t>A+</a:t>
+                      </a:r>
+                      <a:endParaRPr lang="zh-CN" sz="1050" kern="100">
+                        <a:effectLst/>
+                        <a:latin typeface="Times New Roman" panose="02020603050405020304" pitchFamily="18" charset="0"/>
+                        <a:ea typeface="宋体" panose="02010600030101010101" pitchFamily="2" charset="-122"/>
+                      </a:endParaRPr>
+                    </a:p>
+                  </a:txBody>
+                  <a:tcPr marL="68580" marR="68580" marT="0" marB="0" anchor="ctr"/>
+                </a:tc>
+                <a:extLst>
+                  <a:ext uri="{0D108BD9-81ED-4DB2-BD59-A6C34878D82A}">
+                    <a16:rowId xmlns:a16="http://schemas.microsoft.com/office/drawing/2014/main" val="4130665722"/>
+                  </a:ext>
+                </a:extLst>
+              </a:tr>
+              <a:tr h="800100">
+                <a:tc>
+                  <a:txBody>
+                    <a:bodyPr/>
+                    <a:lstStyle/>
+                    <a:p>
+                      <a:pPr algn="ctr">
+                        <a:spcAft>
+                          <a:spcPts val="0"/>
+                        </a:spcAft>
+                      </a:pPr>
+                      <a:r>
+                        <a:rPr lang="zh-CN" sz="1050" kern="100">
+                          <a:effectLst/>
+                        </a:rPr>
+                        <a:t>计科</a:t>
+                      </a:r>
+                      <a:r>
+                        <a:rPr lang="en-US" sz="1050" kern="100">
+                          <a:effectLst/>
+                        </a:rPr>
+                        <a:t>A2001</a:t>
+                      </a:r>
+                      <a:endParaRPr lang="zh-CN" sz="1050" kern="100">
+                        <a:effectLst/>
+                        <a:latin typeface="Times New Roman" panose="02020603050405020304" pitchFamily="18" charset="0"/>
+                        <a:ea typeface="宋体" panose="02010600030101010101" pitchFamily="2" charset="-122"/>
+                      </a:endParaRPr>
+                    </a:p>
+                  </a:txBody>
+                  <a:tcPr marL="68580" marR="68580" marT="0" marB="0" anchor="ctr"/>
+                </a:tc>
+                <a:tc>
+                  <a:txBody>
+                    <a:bodyPr/>
+                    <a:lstStyle/>
+                    <a:p>
+                      <a:pPr algn="ctr">
+                        <a:spcAft>
+                          <a:spcPts val="0"/>
+                        </a:spcAft>
+                      </a:pPr>
+                      <a:r>
+                        <a:rPr lang="en-US" sz="1050" kern="100">
+                          <a:effectLst/>
+                        </a:rPr>
+                        <a:t>2019010025</a:t>
+                      </a:r>
+                      <a:endParaRPr lang="zh-CN" sz="1050" kern="100">
+                        <a:effectLst/>
+                        <a:latin typeface="Times New Roman" panose="02020603050405020304" pitchFamily="18" charset="0"/>
+                        <a:ea typeface="宋体" panose="02010600030101010101" pitchFamily="2" charset="-122"/>
+                      </a:endParaRPr>
+                    </a:p>
+                  </a:txBody>
+                  <a:tcPr marL="68580" marR="68580" marT="0" marB="0" anchor="ctr"/>
+                </a:tc>
+                <a:tc>
+                  <a:txBody>
+                    <a:bodyPr/>
+                    <a:lstStyle/>
+                    <a:p>
+                      <a:pPr algn="ctr">
+                        <a:spcAft>
+                          <a:spcPts val="0"/>
+                        </a:spcAft>
+                      </a:pPr>
+                      <a:r>
+                        <a:rPr lang="zh-CN" sz="1050" kern="100">
+                          <a:effectLst/>
+                        </a:rPr>
+                        <a:t>赵千慧</a:t>
+                      </a:r>
+                      <a:endParaRPr lang="zh-CN" sz="1050" kern="100">
+                        <a:effectLst/>
+                        <a:latin typeface="Times New Roman" panose="02020603050405020304" pitchFamily="18" charset="0"/>
+                        <a:ea typeface="宋体" panose="02010600030101010101" pitchFamily="2" charset="-122"/>
+                      </a:endParaRPr>
+                    </a:p>
+                  </a:txBody>
+                  <a:tcPr marL="68580" marR="68580" marT="0" marB="0" anchor="ctr"/>
+                </a:tc>
+                <a:tc>
+                  <a:txBody>
+                    <a:bodyPr/>
+                    <a:lstStyle/>
+                    <a:p>
+                      <a:pPr algn="ctr">
+                        <a:spcAft>
+                          <a:spcPts val="0"/>
+                        </a:spcAft>
+                      </a:pPr>
+                      <a:r>
+                        <a:rPr lang="en-US" sz="1050" kern="100">
+                          <a:effectLst/>
+                        </a:rPr>
+                        <a:t> </a:t>
+                      </a:r>
+                      <a:endParaRPr lang="zh-CN" sz="1050" kern="100">
+                        <a:effectLst/>
+                        <a:latin typeface="Times New Roman" panose="02020603050405020304" pitchFamily="18" charset="0"/>
+                        <a:ea typeface="宋体" panose="02010600030101010101" pitchFamily="2" charset="-122"/>
+                      </a:endParaRPr>
+                    </a:p>
+                  </a:txBody>
+                  <a:tcPr marL="68580" marR="68580" marT="0" marB="0" anchor="ctr"/>
+                </a:tc>
+                <a:tc>
+                  <a:txBody>
+                    <a:bodyPr/>
+                    <a:lstStyle/>
+                    <a:p>
+                      <a:pPr algn="ctr">
+                        <a:spcAft>
+                          <a:spcPts val="0"/>
+                        </a:spcAft>
+                      </a:pPr>
+                      <a:r>
+                        <a:rPr lang="en-US" sz="1050" kern="100">
+                          <a:effectLst/>
+                        </a:rPr>
+                        <a:t>A+</a:t>
+                      </a:r>
+                      <a:endParaRPr lang="zh-CN" sz="1050" kern="100">
+                        <a:effectLst/>
+                        <a:latin typeface="Times New Roman" panose="02020603050405020304" pitchFamily="18" charset="0"/>
+                        <a:ea typeface="宋体" panose="02010600030101010101" pitchFamily="2" charset="-122"/>
+                      </a:endParaRPr>
+                    </a:p>
+                  </a:txBody>
+                  <a:tcPr marL="68580" marR="68580" marT="0" marB="0" anchor="ctr"/>
+                </a:tc>
+                <a:extLst>
+                  <a:ext uri="{0D108BD9-81ED-4DB2-BD59-A6C34878D82A}">
+                    <a16:rowId xmlns:a16="http://schemas.microsoft.com/office/drawing/2014/main" val="682222005"/>
+                  </a:ext>
+                </a:extLst>
+              </a:tr>
+              <a:tr h="800100">
+                <a:tc>
+                  <a:txBody>
+                    <a:bodyPr/>
+                    <a:lstStyle/>
+                    <a:p>
+                      <a:pPr algn="ctr">
+                        <a:spcAft>
+                          <a:spcPts val="0"/>
+                        </a:spcAft>
+                      </a:pPr>
+                      <a:r>
+                        <a:rPr lang="zh-CN" sz="1050" kern="100">
+                          <a:effectLst/>
+                        </a:rPr>
+                        <a:t>计科</a:t>
+                      </a:r>
+                      <a:r>
+                        <a:rPr lang="en-US" sz="1050" kern="100">
+                          <a:effectLst/>
+                        </a:rPr>
+                        <a:t>A2001</a:t>
+                      </a:r>
+                      <a:endParaRPr lang="zh-CN" sz="1050" kern="100">
+                        <a:effectLst/>
+                        <a:latin typeface="Times New Roman" panose="02020603050405020304" pitchFamily="18" charset="0"/>
+                        <a:ea typeface="宋体" panose="02010600030101010101" pitchFamily="2" charset="-122"/>
+                      </a:endParaRPr>
+                    </a:p>
+                  </a:txBody>
+                  <a:tcPr marL="68580" marR="68580" marT="0" marB="0" anchor="ctr"/>
+                </a:tc>
+                <a:tc>
+                  <a:txBody>
+                    <a:bodyPr/>
+                    <a:lstStyle/>
+                    <a:p>
+                      <a:pPr algn="ctr">
+                        <a:spcAft>
+                          <a:spcPts val="0"/>
+                        </a:spcAft>
+                      </a:pPr>
+                      <a:r>
+                        <a:rPr lang="en-US" sz="1050" kern="100">
+                          <a:effectLst/>
+                        </a:rPr>
+                        <a:t>2017060315</a:t>
+                      </a:r>
+                      <a:endParaRPr lang="zh-CN" sz="1050" kern="100">
+                        <a:effectLst/>
+                        <a:latin typeface="Times New Roman" panose="02020603050405020304" pitchFamily="18" charset="0"/>
+                        <a:ea typeface="宋体" panose="02010600030101010101" pitchFamily="2" charset="-122"/>
+                      </a:endParaRPr>
+                    </a:p>
+                  </a:txBody>
+                  <a:tcPr marL="68580" marR="68580" marT="0" marB="0" anchor="ctr"/>
+                </a:tc>
+                <a:tc>
+                  <a:txBody>
+                    <a:bodyPr/>
+                    <a:lstStyle/>
+                    <a:p>
+                      <a:pPr algn="ctr">
+                        <a:spcAft>
+                          <a:spcPts val="0"/>
+                        </a:spcAft>
+                      </a:pPr>
+                      <a:r>
+                        <a:rPr lang="zh-CN" sz="1050" kern="100">
+                          <a:effectLst/>
+                        </a:rPr>
+                        <a:t>赵凯</a:t>
+                      </a:r>
+                      <a:endParaRPr lang="zh-CN" sz="1050" kern="100">
+                        <a:effectLst/>
+                        <a:latin typeface="Times New Roman" panose="02020603050405020304" pitchFamily="18" charset="0"/>
+                        <a:ea typeface="宋体" panose="02010600030101010101" pitchFamily="2" charset="-122"/>
+                      </a:endParaRPr>
+                    </a:p>
+                  </a:txBody>
+                  <a:tcPr marL="68580" marR="68580" marT="0" marB="0" anchor="ctr"/>
+                </a:tc>
+                <a:tc>
+                  <a:txBody>
+                    <a:bodyPr/>
+                    <a:lstStyle/>
+                    <a:p>
+                      <a:pPr algn="ctr">
+                        <a:spcAft>
+                          <a:spcPts val="0"/>
+                        </a:spcAft>
+                      </a:pPr>
+                      <a:r>
+                        <a:rPr lang="en-US" sz="1050" kern="100">
+                          <a:effectLst/>
+                        </a:rPr>
+                        <a:t> </a:t>
+                      </a:r>
+                      <a:endParaRPr lang="zh-CN" sz="1050" kern="100">
+                        <a:effectLst/>
+                        <a:latin typeface="Times New Roman" panose="02020603050405020304" pitchFamily="18" charset="0"/>
+                        <a:ea typeface="宋体" panose="02010600030101010101" pitchFamily="2" charset="-122"/>
+                      </a:endParaRPr>
+                    </a:p>
+                  </a:txBody>
+                  <a:tcPr marL="68580" marR="68580" marT="0" marB="0" anchor="ctr"/>
+                </a:tc>
+                <a:tc>
+                  <a:txBody>
+                    <a:bodyPr/>
+                    <a:lstStyle/>
+                    <a:p>
+                      <a:pPr algn="ctr">
+                        <a:spcAft>
+                          <a:spcPts val="0"/>
+                        </a:spcAft>
+                      </a:pPr>
+                      <a:r>
+                        <a:rPr lang="en-US" sz="1050" kern="100" dirty="0">
+                          <a:effectLst/>
+                        </a:rPr>
+                        <a:t>A+</a:t>
+                      </a:r>
+                      <a:endParaRPr lang="zh-CN" sz="1050" kern="100" dirty="0">
+                        <a:effectLst/>
+                        <a:latin typeface="Times New Roman" panose="02020603050405020304" pitchFamily="18" charset="0"/>
+                        <a:ea typeface="宋体" panose="02010600030101010101" pitchFamily="2" charset="-122"/>
+                      </a:endParaRPr>
+                    </a:p>
+                  </a:txBody>
+                  <a:tcPr marL="68580" marR="68580" marT="0" marB="0" anchor="ctr"/>
+                </a:tc>
+                <a:extLst>
+                  <a:ext uri="{0D108BD9-81ED-4DB2-BD59-A6C34878D82A}">
+                    <a16:rowId xmlns:a16="http://schemas.microsoft.com/office/drawing/2014/main" val="3363931916"/>
+                  </a:ext>
+                </a:extLst>
+              </a:tr>
+            </a:tbl>
+          </a:graphicData>
+        </a:graphic>
+      </p:graphicFrame>
+      <p:graphicFrame>
+        <p:nvGraphicFramePr>
+          <p:cNvPr id="5" name="表格 4">
+            <a:extLst>
+              <a:ext uri="{FF2B5EF4-FFF2-40B4-BE49-F238E27FC236}">
+                <a16:creationId xmlns:a16="http://schemas.microsoft.com/office/drawing/2014/main" id="{DB1145D6-4AAB-4CCE-9A3A-0A0E346E05BF}"/>
+              </a:ext>
+            </a:extLst>
+          </p:cNvPr>
+          <p:cNvGraphicFramePr>
+            <a:graphicFrameLocks noGrp="1"/>
+          </p:cNvGraphicFramePr>
+          <p:nvPr>
+            <p:extLst>
+              <p:ext uri="{D42A27DB-BD31-4B8C-83A1-F6EECF244321}">
+                <p14:modId xmlns:p14="http://schemas.microsoft.com/office/powerpoint/2010/main" val="3627776795"/>
+              </p:ext>
+            </p:extLst>
+          </p:nvPr>
+        </p:nvGraphicFramePr>
+        <p:xfrm>
+          <a:off x="838200" y="1654176"/>
+          <a:ext cx="10866119" cy="4354512"/>
+        </p:xfrm>
+        <a:graphic>
+          <a:graphicData uri="http://schemas.openxmlformats.org/drawingml/2006/table">
+            <a:tbl>
+              <a:tblPr>
+                <a:tableStyleId>{073A0DAA-6AF3-43AB-8588-CEC1D06C72B9}</a:tableStyleId>
+              </a:tblPr>
+              <a:tblGrid>
+                <a:gridCol w="1696003">
+                  <a:extLst>
+                    <a:ext uri="{9D8B030D-6E8A-4147-A177-3AD203B41FA5}">
+                      <a16:colId xmlns:a16="http://schemas.microsoft.com/office/drawing/2014/main" val="1938852128"/>
+                    </a:ext>
+                  </a:extLst>
+                </a:gridCol>
+                <a:gridCol w="2182774">
+                  <a:extLst>
+                    <a:ext uri="{9D8B030D-6E8A-4147-A177-3AD203B41FA5}">
+                      <a16:colId xmlns:a16="http://schemas.microsoft.com/office/drawing/2014/main" val="2647448499"/>
+                    </a:ext>
+                  </a:extLst>
+                </a:gridCol>
+                <a:gridCol w="2184315">
+                  <a:extLst>
+                    <a:ext uri="{9D8B030D-6E8A-4147-A177-3AD203B41FA5}">
+                      <a16:colId xmlns:a16="http://schemas.microsoft.com/office/drawing/2014/main" val="1670570197"/>
+                    </a:ext>
+                  </a:extLst>
+                </a:gridCol>
+                <a:gridCol w="4803027">
+                  <a:extLst>
+                    <a:ext uri="{9D8B030D-6E8A-4147-A177-3AD203B41FA5}">
+                      <a16:colId xmlns:a16="http://schemas.microsoft.com/office/drawing/2014/main" val="678754361"/>
+                    </a:ext>
+                  </a:extLst>
+                </a:gridCol>
+              </a:tblGrid>
+              <a:tr h="960409">
+                <a:tc>
+                  <a:txBody>
+                    <a:bodyPr/>
+                    <a:lstStyle/>
+                    <a:p>
+                      <a:pPr algn="ctr">
+                        <a:spcAft>
+                          <a:spcPts val="0"/>
+                        </a:spcAft>
+                      </a:pPr>
+                      <a:r>
+                        <a:rPr lang="zh-CN" sz="1800" kern="100" dirty="0">
+                          <a:effectLst/>
+                        </a:rPr>
+                        <a:t>计科</a:t>
+                      </a:r>
+                      <a:r>
+                        <a:rPr lang="en-US" sz="1800" kern="100" dirty="0">
+                          <a:effectLst/>
+                        </a:rPr>
+                        <a:t>A2001</a:t>
+                      </a:r>
+                      <a:endParaRPr lang="zh-CN" sz="1800" kern="100" dirty="0">
+                        <a:effectLst/>
+                        <a:latin typeface="Times New Roman" panose="02020603050405020304" pitchFamily="18" charset="0"/>
+                        <a:ea typeface="宋体" panose="02010600030101010101" pitchFamily="2" charset="-122"/>
+                      </a:endParaRPr>
+                    </a:p>
+                  </a:txBody>
+                  <a:tcPr marL="68580" marR="68580" marT="0" marB="0" anchor="ctr"/>
+                </a:tc>
+                <a:tc>
+                  <a:txBody>
+                    <a:bodyPr/>
+                    <a:lstStyle/>
+                    <a:p>
+                      <a:pPr algn="ctr">
+                        <a:spcAft>
+                          <a:spcPts val="0"/>
+                        </a:spcAft>
+                      </a:pPr>
+                      <a:r>
+                        <a:rPr lang="en-US" sz="1800" kern="100" dirty="0">
+                          <a:effectLst/>
+                        </a:rPr>
+                        <a:t>2019080184</a:t>
+                      </a:r>
+                      <a:endParaRPr lang="zh-CN" sz="1800" kern="100" dirty="0">
+                        <a:effectLst/>
+                        <a:latin typeface="Times New Roman" panose="02020603050405020304" pitchFamily="18" charset="0"/>
+                        <a:ea typeface="宋体" panose="02010600030101010101" pitchFamily="2" charset="-122"/>
+                      </a:endParaRPr>
+                    </a:p>
+                  </a:txBody>
+                  <a:tcPr marL="68580" marR="68580" marT="0" marB="0" anchor="ctr"/>
+                </a:tc>
+                <a:tc>
+                  <a:txBody>
+                    <a:bodyPr/>
+                    <a:lstStyle/>
+                    <a:p>
+                      <a:pPr algn="ctr">
+                        <a:spcAft>
+                          <a:spcPts val="0"/>
+                        </a:spcAft>
+                      </a:pPr>
+                      <a:r>
+                        <a:rPr lang="zh-CN" sz="1800" kern="100" dirty="0">
+                          <a:effectLst/>
+                        </a:rPr>
+                        <a:t>邓岳</a:t>
+                      </a:r>
+                      <a:endParaRPr lang="zh-CN" sz="1800" kern="100" dirty="0">
+                        <a:effectLst/>
+                        <a:latin typeface="Times New Roman" panose="02020603050405020304" pitchFamily="18" charset="0"/>
+                        <a:ea typeface="宋体" panose="02010600030101010101" pitchFamily="2" charset="-122"/>
+                      </a:endParaRPr>
+                    </a:p>
+                  </a:txBody>
+                  <a:tcPr marL="68580" marR="68580" marT="0" marB="0" anchor="ctr"/>
+                </a:tc>
+                <a:tc>
+                  <a:txBody>
+                    <a:bodyPr/>
+                    <a:lstStyle/>
+                    <a:p>
+                      <a:pPr algn="ctr">
+                        <a:spcAft>
+                          <a:spcPts val="0"/>
+                        </a:spcAft>
+                      </a:pPr>
+                      <a:r>
+                        <a:rPr lang="zh-CN" altLang="en-US" sz="1800" kern="100" dirty="0">
+                          <a:effectLst/>
+                        </a:rPr>
+                        <a:t>前后端整合、完成实验报告</a:t>
+                      </a:r>
+                      <a:endParaRPr lang="zh-CN" sz="1800" kern="100" dirty="0">
+                        <a:effectLst/>
+                        <a:latin typeface="Times New Roman" panose="02020603050405020304" pitchFamily="18" charset="0"/>
+                        <a:ea typeface="宋体" panose="02010600030101010101" pitchFamily="2" charset="-122"/>
+                      </a:endParaRPr>
+                    </a:p>
+                  </a:txBody>
+                  <a:tcPr marL="68580" marR="68580" marT="0" marB="0" anchor="ctr"/>
+                </a:tc>
+                <a:extLst>
+                  <a:ext uri="{0D108BD9-81ED-4DB2-BD59-A6C34878D82A}">
+                    <a16:rowId xmlns:a16="http://schemas.microsoft.com/office/drawing/2014/main" val="1342070159"/>
+                  </a:ext>
+                </a:extLst>
+              </a:tr>
+              <a:tr h="1138529">
+                <a:tc>
+                  <a:txBody>
+                    <a:bodyPr/>
+                    <a:lstStyle/>
+                    <a:p>
+                      <a:pPr algn="ctr">
+                        <a:spcAft>
+                          <a:spcPts val="0"/>
+                        </a:spcAft>
+                      </a:pPr>
+                      <a:r>
+                        <a:rPr lang="zh-CN" sz="1800" kern="100">
+                          <a:effectLst/>
+                        </a:rPr>
+                        <a:t>计科</a:t>
+                      </a:r>
+                      <a:r>
+                        <a:rPr lang="en-US" sz="1800" kern="100">
+                          <a:effectLst/>
+                        </a:rPr>
+                        <a:t>A2001</a:t>
+                      </a:r>
+                      <a:endParaRPr lang="zh-CN" sz="1800" kern="100">
+                        <a:effectLst/>
+                        <a:latin typeface="Times New Roman" panose="02020603050405020304" pitchFamily="18" charset="0"/>
+                        <a:ea typeface="宋体" panose="02010600030101010101" pitchFamily="2" charset="-122"/>
+                      </a:endParaRPr>
+                    </a:p>
+                  </a:txBody>
+                  <a:tcPr marL="68580" marR="68580" marT="0" marB="0" anchor="ctr"/>
+                </a:tc>
+                <a:tc>
+                  <a:txBody>
+                    <a:bodyPr/>
+                    <a:lstStyle/>
+                    <a:p>
+                      <a:pPr algn="ctr">
+                        <a:spcAft>
+                          <a:spcPts val="0"/>
+                        </a:spcAft>
+                      </a:pPr>
+                      <a:r>
+                        <a:rPr lang="en-US" sz="1800" kern="100" dirty="0">
+                          <a:effectLst/>
+                        </a:rPr>
+                        <a:t>2020020360</a:t>
+                      </a:r>
+                      <a:endParaRPr lang="zh-CN" sz="1800" kern="100" dirty="0">
+                        <a:effectLst/>
+                        <a:latin typeface="Times New Roman" panose="02020603050405020304" pitchFamily="18" charset="0"/>
+                        <a:ea typeface="宋体" panose="02010600030101010101" pitchFamily="2" charset="-122"/>
+                      </a:endParaRPr>
+                    </a:p>
+                  </a:txBody>
+                  <a:tcPr marL="68580" marR="68580" marT="0" marB="0" anchor="ctr"/>
+                </a:tc>
+                <a:tc>
+                  <a:txBody>
+                    <a:bodyPr/>
+                    <a:lstStyle/>
+                    <a:p>
+                      <a:pPr algn="ctr">
+                        <a:spcAft>
+                          <a:spcPts val="0"/>
+                        </a:spcAft>
+                      </a:pPr>
+                      <a:r>
+                        <a:rPr lang="zh-CN" sz="1800" kern="100" dirty="0">
+                          <a:effectLst/>
+                        </a:rPr>
+                        <a:t>熊圳</a:t>
+                      </a:r>
+                      <a:endParaRPr lang="zh-CN" sz="1800" kern="100" dirty="0">
+                        <a:effectLst/>
+                        <a:latin typeface="Times New Roman" panose="02020603050405020304" pitchFamily="18" charset="0"/>
+                        <a:ea typeface="宋体" panose="02010600030101010101" pitchFamily="2" charset="-122"/>
+                      </a:endParaRPr>
+                    </a:p>
+                  </a:txBody>
+                  <a:tcPr marL="68580" marR="68580" marT="0" marB="0" anchor="ctr"/>
+                </a:tc>
+                <a:tc>
+                  <a:txBody>
+                    <a:bodyPr/>
+                    <a:lstStyle/>
+                    <a:p>
+                      <a:pPr algn="ctr">
+                        <a:spcAft>
+                          <a:spcPts val="0"/>
+                        </a:spcAft>
+                      </a:pPr>
+                      <a:r>
+                        <a:rPr lang="en-US" sz="1800" kern="100" dirty="0">
+                          <a:effectLst/>
+                        </a:rPr>
+                        <a:t> </a:t>
+                      </a:r>
+                      <a:r>
+                        <a:rPr lang="zh-CN" altLang="en-US" sz="1800" kern="100" dirty="0">
+                          <a:effectLst/>
+                        </a:rPr>
+                        <a:t>后端代码实现、完成实验报告</a:t>
+                      </a:r>
+                      <a:endParaRPr lang="zh-CN" sz="1800" kern="100" dirty="0">
+                        <a:effectLst/>
+                        <a:latin typeface="Times New Roman" panose="02020603050405020304" pitchFamily="18" charset="0"/>
+                        <a:ea typeface="宋体" panose="02010600030101010101" pitchFamily="2" charset="-122"/>
+                      </a:endParaRPr>
+                    </a:p>
+                  </a:txBody>
+                  <a:tcPr marL="68580" marR="68580" marT="0" marB="0" anchor="ctr"/>
+                </a:tc>
+                <a:extLst>
+                  <a:ext uri="{0D108BD9-81ED-4DB2-BD59-A6C34878D82A}">
+                    <a16:rowId xmlns:a16="http://schemas.microsoft.com/office/drawing/2014/main" val="2362677138"/>
+                  </a:ext>
+                </a:extLst>
+              </a:tr>
+              <a:tr h="1127787">
+                <a:tc>
+                  <a:txBody>
+                    <a:bodyPr/>
+                    <a:lstStyle/>
+                    <a:p>
+                      <a:pPr algn="ctr">
+                        <a:spcAft>
+                          <a:spcPts val="0"/>
+                        </a:spcAft>
+                      </a:pPr>
+                      <a:r>
+                        <a:rPr lang="zh-CN" sz="1800" kern="100">
+                          <a:effectLst/>
+                        </a:rPr>
+                        <a:t>计科</a:t>
+                      </a:r>
+                      <a:r>
+                        <a:rPr lang="en-US" sz="1800" kern="100">
+                          <a:effectLst/>
+                        </a:rPr>
+                        <a:t>A2001</a:t>
+                      </a:r>
+                      <a:endParaRPr lang="zh-CN" sz="1800" kern="100">
+                        <a:effectLst/>
+                        <a:latin typeface="Times New Roman" panose="02020603050405020304" pitchFamily="18" charset="0"/>
+                        <a:ea typeface="宋体" panose="02010600030101010101" pitchFamily="2" charset="-122"/>
+                      </a:endParaRPr>
+                    </a:p>
+                  </a:txBody>
+                  <a:tcPr marL="68580" marR="68580" marT="0" marB="0" anchor="ctr"/>
+                </a:tc>
+                <a:tc>
+                  <a:txBody>
+                    <a:bodyPr/>
+                    <a:lstStyle/>
+                    <a:p>
+                      <a:pPr algn="ctr">
+                        <a:spcAft>
+                          <a:spcPts val="0"/>
+                        </a:spcAft>
+                      </a:pPr>
+                      <a:r>
+                        <a:rPr lang="en-US" sz="1800" kern="100">
+                          <a:effectLst/>
+                        </a:rPr>
+                        <a:t>2019010025</a:t>
+                      </a:r>
+                      <a:endParaRPr lang="zh-CN" sz="1800" kern="100">
+                        <a:effectLst/>
+                        <a:latin typeface="Times New Roman" panose="02020603050405020304" pitchFamily="18" charset="0"/>
+                        <a:ea typeface="宋体" panose="02010600030101010101" pitchFamily="2" charset="-122"/>
+                      </a:endParaRPr>
+                    </a:p>
+                  </a:txBody>
+                  <a:tcPr marL="68580" marR="68580" marT="0" marB="0" anchor="ctr"/>
+                </a:tc>
+                <a:tc>
+                  <a:txBody>
+                    <a:bodyPr/>
+                    <a:lstStyle/>
+                    <a:p>
+                      <a:pPr algn="ctr">
+                        <a:spcAft>
+                          <a:spcPts val="0"/>
+                        </a:spcAft>
+                      </a:pPr>
+                      <a:r>
+                        <a:rPr lang="zh-CN" sz="1800" kern="100" dirty="0">
+                          <a:effectLst/>
+                        </a:rPr>
+                        <a:t>赵千慧</a:t>
+                      </a:r>
+                      <a:endParaRPr lang="zh-CN" sz="1800" kern="100" dirty="0">
+                        <a:effectLst/>
+                        <a:latin typeface="Times New Roman" panose="02020603050405020304" pitchFamily="18" charset="0"/>
+                        <a:ea typeface="宋体" panose="02010600030101010101" pitchFamily="2" charset="-122"/>
+                      </a:endParaRPr>
+                    </a:p>
+                  </a:txBody>
+                  <a:tcPr marL="68580" marR="68580" marT="0" marB="0" anchor="ctr"/>
+                </a:tc>
+                <a:tc>
+                  <a:txBody>
+                    <a:bodyPr/>
+                    <a:lstStyle/>
+                    <a:p>
+                      <a:pPr algn="ctr">
+                        <a:spcAft>
+                          <a:spcPts val="0"/>
+                        </a:spcAft>
+                      </a:pPr>
+                      <a:r>
+                        <a:rPr lang="zh-CN" altLang="en-US" sz="1800" kern="100" dirty="0">
+                          <a:effectLst/>
+                        </a:rPr>
+                        <a:t>前后端整合、完成实验报告、录制视频</a:t>
+                      </a:r>
+                      <a:r>
+                        <a:rPr lang="en-US" sz="1800" kern="100" dirty="0">
+                          <a:effectLst/>
+                        </a:rPr>
+                        <a:t> </a:t>
+                      </a:r>
+                      <a:endParaRPr lang="zh-CN" sz="1800" kern="100" dirty="0">
+                        <a:effectLst/>
+                        <a:latin typeface="Times New Roman" panose="02020603050405020304" pitchFamily="18" charset="0"/>
+                        <a:ea typeface="宋体" panose="02010600030101010101" pitchFamily="2" charset="-122"/>
+                      </a:endParaRPr>
+                    </a:p>
+                  </a:txBody>
+                  <a:tcPr marL="68580" marR="68580" marT="0" marB="0" anchor="ctr"/>
+                </a:tc>
+                <a:extLst>
+                  <a:ext uri="{0D108BD9-81ED-4DB2-BD59-A6C34878D82A}">
+                    <a16:rowId xmlns:a16="http://schemas.microsoft.com/office/drawing/2014/main" val="3630330834"/>
+                  </a:ext>
+                </a:extLst>
+              </a:tr>
+              <a:tr h="1127787">
+                <a:tc>
+                  <a:txBody>
+                    <a:bodyPr/>
+                    <a:lstStyle/>
+                    <a:p>
+                      <a:pPr algn="ctr">
+                        <a:spcAft>
+                          <a:spcPts val="0"/>
+                        </a:spcAft>
+                      </a:pPr>
+                      <a:r>
+                        <a:rPr lang="zh-CN" sz="1800" kern="100">
+                          <a:effectLst/>
+                        </a:rPr>
+                        <a:t>计科</a:t>
+                      </a:r>
+                      <a:r>
+                        <a:rPr lang="en-US" sz="1800" kern="100">
+                          <a:effectLst/>
+                        </a:rPr>
+                        <a:t>A2001</a:t>
+                      </a:r>
+                      <a:endParaRPr lang="zh-CN" sz="1800" kern="100">
+                        <a:effectLst/>
+                        <a:latin typeface="Times New Roman" panose="02020603050405020304" pitchFamily="18" charset="0"/>
+                        <a:ea typeface="宋体" panose="02010600030101010101" pitchFamily="2" charset="-122"/>
+                      </a:endParaRPr>
+                    </a:p>
+                  </a:txBody>
+                  <a:tcPr marL="68580" marR="68580" marT="0" marB="0" anchor="ctr"/>
+                </a:tc>
+                <a:tc>
+                  <a:txBody>
+                    <a:bodyPr/>
+                    <a:lstStyle/>
+                    <a:p>
+                      <a:pPr algn="ctr">
+                        <a:spcAft>
+                          <a:spcPts val="0"/>
+                        </a:spcAft>
+                      </a:pPr>
+                      <a:r>
+                        <a:rPr lang="en-US" sz="1800" kern="100">
+                          <a:effectLst/>
+                        </a:rPr>
+                        <a:t>2017060315</a:t>
+                      </a:r>
+                      <a:endParaRPr lang="zh-CN" sz="1800" kern="100">
+                        <a:effectLst/>
+                        <a:latin typeface="Times New Roman" panose="02020603050405020304" pitchFamily="18" charset="0"/>
+                        <a:ea typeface="宋体" panose="02010600030101010101" pitchFamily="2" charset="-122"/>
+                      </a:endParaRPr>
+                    </a:p>
+                  </a:txBody>
+                  <a:tcPr marL="68580" marR="68580" marT="0" marB="0" anchor="ctr"/>
+                </a:tc>
+                <a:tc>
+                  <a:txBody>
+                    <a:bodyPr/>
+                    <a:lstStyle/>
+                    <a:p>
+                      <a:pPr algn="ctr">
+                        <a:spcAft>
+                          <a:spcPts val="0"/>
+                        </a:spcAft>
+                      </a:pPr>
+                      <a:r>
+                        <a:rPr lang="zh-CN" sz="1800" kern="100">
+                          <a:effectLst/>
+                        </a:rPr>
+                        <a:t>赵凯</a:t>
+                      </a:r>
+                      <a:endParaRPr lang="zh-CN" sz="1800" kern="100">
+                        <a:effectLst/>
+                        <a:latin typeface="Times New Roman" panose="02020603050405020304" pitchFamily="18" charset="0"/>
+                        <a:ea typeface="宋体" panose="02010600030101010101" pitchFamily="2" charset="-122"/>
+                      </a:endParaRPr>
+                    </a:p>
+                  </a:txBody>
+                  <a:tcPr marL="68580" marR="68580" marT="0" marB="0" anchor="ctr"/>
+                </a:tc>
+                <a:tc>
+                  <a:txBody>
+                    <a:bodyPr/>
+                    <a:lstStyle/>
+                    <a:p>
+                      <a:pPr algn="ctr">
+                        <a:spcAft>
+                          <a:spcPts val="0"/>
+                        </a:spcAft>
+                      </a:pPr>
+                      <a:r>
+                        <a:rPr lang="zh-CN" altLang="en-US" sz="1800" kern="100" dirty="0">
+                          <a:effectLst/>
+                        </a:rPr>
+                        <a:t>前端代码实现</a:t>
+                      </a:r>
+                      <a:r>
+                        <a:rPr lang="en-US" sz="1800" kern="100" dirty="0">
+                          <a:effectLst/>
+                        </a:rPr>
+                        <a:t> </a:t>
+                      </a:r>
+                      <a:r>
+                        <a:rPr lang="zh-CN" altLang="en-US" sz="1800" kern="100" dirty="0">
+                          <a:effectLst/>
+                        </a:rPr>
+                        <a:t>、完成实验报告</a:t>
+                      </a:r>
+                      <a:endParaRPr lang="zh-CN" sz="1800" kern="100" dirty="0">
+                        <a:effectLst/>
+                        <a:latin typeface="Times New Roman" panose="02020603050405020304" pitchFamily="18" charset="0"/>
+                        <a:ea typeface="宋体" panose="02010600030101010101" pitchFamily="2" charset="-122"/>
+                      </a:endParaRPr>
+                    </a:p>
+                  </a:txBody>
+                  <a:tcPr marL="68580" marR="68580" marT="0" marB="0" anchor="ctr"/>
+                </a:tc>
+                <a:extLst>
+                  <a:ext uri="{0D108BD9-81ED-4DB2-BD59-A6C34878D82A}">
+                    <a16:rowId xmlns:a16="http://schemas.microsoft.com/office/drawing/2014/main" val="3028071407"/>
+                  </a:ext>
+                </a:extLst>
+              </a:tr>
+            </a:tbl>
+          </a:graphicData>
+        </a:graphic>
+      </p:graphicFrame>
+    </p:spTree>
+    <p:extLst>
+      <p:ext uri="{BB962C8B-B14F-4D97-AF65-F5344CB8AC3E}">
+        <p14:creationId xmlns:p14="http://schemas.microsoft.com/office/powerpoint/2010/main" val="3378185090"/>
       </p:ext>
     </p:extLst>
   </p:cSld>
@@ -3634,7 +5227,13 @@
           <a:bodyPr/>
           <a:lstStyle/>
           <a:p>
-            <a:endParaRPr lang="zh-CN" altLang="en-US"/>
+            <a:r>
+              <a:rPr lang="zh-CN" altLang="zh-CN" dirty="0"/>
+              <a:t>马尔可夫链是描述可能事件序列的随机模型，其中每个事件的概率仅取决于前一个事件中获得的状态。马尔可夫链文本生成的思想与此相同，即试图找出某个词出现在另一个词之后的概率。为了确定转换的概率，我们用一些文本来训练模型。它使用历史文本，将其分割成单个单词（或单词集），然后随机选择一个单词，之后基于之前选择的单词序列随机选择一个相似的单词。这个过程一直继续，直到生成一段由规定数量的句子组成的文本段落。</a:t>
+            </a:r>
+          </a:p>
+          <a:p>
+            <a:endParaRPr lang="zh-CN" altLang="en-US" dirty="0"/>
           </a:p>
         </p:txBody>
       </p:sp>
@@ -3699,29 +5298,123 @@
       </p:sp>
       <p:sp>
         <p:nvSpPr>
-          <p:cNvPr id="3" name="内容占位符 2">
-            <a:extLst>
-              <a:ext uri="{FF2B5EF4-FFF2-40B4-BE49-F238E27FC236}">
-                <a16:creationId xmlns:a16="http://schemas.microsoft.com/office/drawing/2014/main" id="{4CDFC944-027D-461F-B739-645E70915A3F}"/>
-              </a:ext>
-            </a:extLst>
-          </p:cNvPr>
-          <p:cNvSpPr>
-            <a:spLocks noGrp="1"/>
-          </p:cNvSpPr>
-          <p:nvPr>
-            <p:ph idx="1"/>
-          </p:nvPr>
-        </p:nvSpPr>
-        <p:spPr/>
-        <p:txBody>
-          <a:bodyPr/>
+          <p:cNvPr id="5" name="矩形 4">
+            <a:extLst>
+              <a:ext uri="{FF2B5EF4-FFF2-40B4-BE49-F238E27FC236}">
+                <a16:creationId xmlns:a16="http://schemas.microsoft.com/office/drawing/2014/main" id="{621FEC4B-FDB4-4CCE-96AA-2B2421C69D4D}"/>
+              </a:ext>
+            </a:extLst>
+          </p:cNvPr>
+          <p:cNvSpPr/>
+          <p:nvPr/>
+        </p:nvSpPr>
+        <p:spPr>
+          <a:xfrm>
+            <a:off x="5669280" y="1715136"/>
+            <a:ext cx="6096000" cy="4194738"/>
+          </a:xfrm>
+          <a:prstGeom prst="rect">
+            <a:avLst/>
+          </a:prstGeom>
+        </p:spPr>
+        <p:txBody>
+          <a:bodyPr>
+            <a:spAutoFit/>
+          </a:bodyPr>
           <a:lstStyle/>
           <a:p>
-            <a:endParaRPr lang="zh-CN" altLang="en-US"/>
-          </a:p>
-        </p:txBody>
-      </p:sp>
+            <a:pPr algn="just">
+              <a:lnSpc>
+                <a:spcPct val="150000"/>
+              </a:lnSpc>
+              <a:spcAft>
+                <a:spcPts val="0"/>
+              </a:spcAft>
+            </a:pPr>
+            <a:r>
+              <a:rPr lang="zh-CN" altLang="zh-CN" kern="100" dirty="0">
+                <a:latin typeface="Times New Roman" panose="02020603050405020304" pitchFamily="18" charset="0"/>
+                <a:ea typeface="宋体" panose="02010600030101010101" pitchFamily="2" charset="-122"/>
+              </a:rPr>
+              <a:t>本项目分为前端和后端两个部分，前端部分主要处理接受用户的请求和参数，并且把参数传给后端，后端部分主要实现解析文本、生成文本，并将生成的文本返回给前端。</a:t>
+            </a:r>
+            <a:endParaRPr lang="zh-CN" altLang="zh-CN" sz="1400" kern="100" dirty="0">
+              <a:latin typeface="Times New Roman" panose="02020603050405020304" pitchFamily="18" charset="0"/>
+              <a:ea typeface="宋体" panose="02010600030101010101" pitchFamily="2" charset="-122"/>
+            </a:endParaRPr>
+          </a:p>
+          <a:p>
+            <a:pPr algn="just">
+              <a:lnSpc>
+                <a:spcPct val="150000"/>
+              </a:lnSpc>
+              <a:spcAft>
+                <a:spcPts val="0"/>
+              </a:spcAft>
+            </a:pPr>
+            <a:r>
+              <a:rPr lang="zh-CN" altLang="zh-CN" kern="100" dirty="0">
+                <a:latin typeface="Times New Roman" panose="02020603050405020304" pitchFamily="18" charset="0"/>
+                <a:ea typeface="宋体" panose="02010600030101010101" pitchFamily="2" charset="-122"/>
+              </a:rPr>
+              <a:t>首先在前端，用户可以选择我们给出的演示文档，或者自行上传</a:t>
+            </a:r>
+            <a:r>
+              <a:rPr lang="en-US" altLang="zh-CN" kern="100" dirty="0">
+                <a:latin typeface="Times New Roman" panose="02020603050405020304" pitchFamily="18" charset="0"/>
+                <a:ea typeface="宋体" panose="02010600030101010101" pitchFamily="2" charset="-122"/>
+              </a:rPr>
+              <a:t>.txt</a:t>
+            </a:r>
+            <a:r>
+              <a:rPr lang="zh-CN" altLang="zh-CN" kern="100" dirty="0">
+                <a:latin typeface="Times New Roman" panose="02020603050405020304" pitchFamily="18" charset="0"/>
+                <a:ea typeface="宋体" panose="02010600030101010101" pitchFamily="2" charset="-122"/>
+              </a:rPr>
+              <a:t>文件进行解析，选择要生成的句子的数量，后端就可以开始解析。后端对于给定的文本，会首先将文本进行分词，再逐词解析，生成文中每个单词的频数统计表。根据该数据集，每生成一个单词，会根据马尔可夫链随机生成下一个与之有关连的单词，直到句子结束。最终生成指定数量的句子，返回给前端，前端再将其展示在页面中。</a:t>
+            </a:r>
+            <a:endParaRPr lang="zh-CN" altLang="zh-CN" sz="1400" kern="100" dirty="0">
+              <a:effectLst/>
+              <a:latin typeface="Times New Roman" panose="02020603050405020304" pitchFamily="18" charset="0"/>
+              <a:ea typeface="宋体" panose="02010600030101010101" pitchFamily="2" charset="-122"/>
+            </a:endParaRPr>
+          </a:p>
+        </p:txBody>
+      </p:sp>
+      <p:pic>
+        <p:nvPicPr>
+          <p:cNvPr id="6" name="图片 5">
+            <a:extLst>
+              <a:ext uri="{FF2B5EF4-FFF2-40B4-BE49-F238E27FC236}">
+                <a16:creationId xmlns:a16="http://schemas.microsoft.com/office/drawing/2014/main" id="{CC471949-C200-49C8-B98E-7E4AB9FADF8C}"/>
+              </a:ext>
+            </a:extLst>
+          </p:cNvPr>
+          <p:cNvPicPr/>
+          <p:nvPr/>
+        </p:nvPicPr>
+        <p:blipFill>
+          <a:blip r:embed="rId2">
+            <a:extLst>
+              <a:ext uri="{28A0092B-C50C-407E-A947-70E740481C1C}">
+                <a14:useLocalDpi xmlns:a14="http://schemas.microsoft.com/office/drawing/2010/main" val="0"/>
+              </a:ext>
+            </a:extLst>
+          </a:blip>
+          <a:stretch>
+            <a:fillRect/>
+          </a:stretch>
+        </p:blipFill>
+        <p:spPr>
+          <a:xfrm>
+            <a:off x="979905" y="1715136"/>
+            <a:ext cx="3907055" cy="4592955"/>
+          </a:xfrm>
+          <a:prstGeom prst="rect">
+            <a:avLst/>
+          </a:prstGeom>
+        </p:spPr>
+      </p:pic>
     </p:spTree>
     <p:extLst>
       <p:ext uri="{BB962C8B-B14F-4D97-AF65-F5344CB8AC3E}">
@@ -3783,29 +5476,331 @@
       </p:sp>
       <p:sp>
         <p:nvSpPr>
-          <p:cNvPr id="3" name="内容占位符 2">
-            <a:extLst>
-              <a:ext uri="{FF2B5EF4-FFF2-40B4-BE49-F238E27FC236}">
-                <a16:creationId xmlns:a16="http://schemas.microsoft.com/office/drawing/2014/main" id="{4CDFC944-027D-461F-B739-645E70915A3F}"/>
-              </a:ext>
-            </a:extLst>
-          </p:cNvPr>
-          <p:cNvSpPr>
-            <a:spLocks noGrp="1"/>
-          </p:cNvSpPr>
+          <p:cNvPr id="6" name="矩形 5">
+            <a:extLst>
+              <a:ext uri="{FF2B5EF4-FFF2-40B4-BE49-F238E27FC236}">
+                <a16:creationId xmlns:a16="http://schemas.microsoft.com/office/drawing/2014/main" id="{7943D932-D1EB-44BE-ACE7-D58201694720}"/>
+              </a:ext>
+            </a:extLst>
+          </p:cNvPr>
+          <p:cNvSpPr/>
+          <p:nvPr/>
+        </p:nvSpPr>
+        <p:spPr>
+          <a:xfrm>
+            <a:off x="6096000" y="1719834"/>
+            <a:ext cx="5923280" cy="4062651"/>
+          </a:xfrm>
+          <a:prstGeom prst="rect">
+            <a:avLst/>
+          </a:prstGeom>
+        </p:spPr>
+        <p:txBody>
+          <a:bodyPr wrap="square">
+            <a:spAutoFit/>
+          </a:bodyPr>
+          <a:lstStyle/>
+          <a:p>
+            <a:pPr algn="just">
+              <a:spcAft>
+                <a:spcPts val="0"/>
+              </a:spcAft>
+            </a:pPr>
+            <a:r>
+              <a:rPr lang="zh-CN" altLang="zh-CN" sz="2400" b="1" kern="100" dirty="0">
+                <a:latin typeface="Times New Roman" panose="02020603050405020304" pitchFamily="18" charset="0"/>
+                <a:ea typeface="宋体" panose="02010600030101010101" pitchFamily="2" charset="-122"/>
+              </a:rPr>
+              <a:t>前端</a:t>
+            </a:r>
+            <a:endParaRPr lang="zh-CN" altLang="zh-CN" kern="100" dirty="0">
+              <a:latin typeface="Times New Roman" panose="02020603050405020304" pitchFamily="18" charset="0"/>
+              <a:ea typeface="宋体" panose="02010600030101010101" pitchFamily="2" charset="-122"/>
+            </a:endParaRPr>
+          </a:p>
+          <a:p>
+            <a:pPr algn="just">
+              <a:spcAft>
+                <a:spcPts val="0"/>
+              </a:spcAft>
+            </a:pPr>
+            <a:r>
+              <a:rPr lang="zh-CN" altLang="zh-CN" kern="100" dirty="0">
+                <a:latin typeface="Times New Roman" panose="02020603050405020304" pitchFamily="18" charset="0"/>
+                <a:ea typeface="宋体" panose="02010600030101010101" pitchFamily="2" charset="-122"/>
+              </a:rPr>
+              <a:t>前端通过</a:t>
+            </a:r>
+            <a:r>
+              <a:rPr lang="en-US" altLang="zh-CN" kern="100" dirty="0">
+                <a:latin typeface="Times New Roman" panose="02020603050405020304" pitchFamily="18" charset="0"/>
+                <a:ea typeface="宋体" panose="02010600030101010101" pitchFamily="2" charset="-122"/>
+              </a:rPr>
+              <a:t>web</a:t>
+            </a:r>
+            <a:r>
+              <a:rPr lang="zh-CN" altLang="zh-CN" kern="100" dirty="0">
+                <a:latin typeface="Times New Roman" panose="02020603050405020304" pitchFamily="18" charset="0"/>
+                <a:ea typeface="宋体" panose="02010600030101010101" pitchFamily="2" charset="-122"/>
+              </a:rPr>
+              <a:t>实现，页面由</a:t>
+            </a:r>
+            <a:r>
+              <a:rPr lang="en-US" altLang="zh-CN" kern="100" dirty="0">
+                <a:latin typeface="Times New Roman" panose="02020603050405020304" pitchFamily="18" charset="0"/>
+                <a:ea typeface="宋体" panose="02010600030101010101" pitchFamily="2" charset="-122"/>
+              </a:rPr>
+              <a:t>html</a:t>
+            </a:r>
+            <a:r>
+              <a:rPr lang="zh-CN" altLang="zh-CN" kern="100" dirty="0">
+                <a:latin typeface="Times New Roman" panose="02020603050405020304" pitchFamily="18" charset="0"/>
+                <a:ea typeface="宋体" panose="02010600030101010101" pitchFamily="2" charset="-122"/>
+              </a:rPr>
+              <a:t>搭建框架，通过</a:t>
+            </a:r>
+            <a:r>
+              <a:rPr lang="en-US" altLang="zh-CN" kern="100" dirty="0" err="1">
+                <a:latin typeface="Times New Roman" panose="02020603050405020304" pitchFamily="18" charset="0"/>
+                <a:ea typeface="宋体" panose="02010600030101010101" pitchFamily="2" charset="-122"/>
+              </a:rPr>
+              <a:t>css</a:t>
+            </a:r>
+            <a:r>
+              <a:rPr lang="zh-CN" altLang="zh-CN" kern="100" dirty="0">
+                <a:latin typeface="Times New Roman" panose="02020603050405020304" pitchFamily="18" charset="0"/>
+                <a:ea typeface="宋体" panose="02010600030101010101" pitchFamily="2" charset="-122"/>
+              </a:rPr>
+              <a:t>美化。页面主要有三大部分：</a:t>
+            </a:r>
+          </a:p>
+          <a:p>
+            <a:pPr algn="just">
+              <a:spcAft>
+                <a:spcPts val="0"/>
+              </a:spcAft>
+            </a:pPr>
+            <a:r>
+              <a:rPr lang="zh-CN" altLang="zh-CN" kern="100" dirty="0">
+                <a:latin typeface="Times New Roman" panose="02020603050405020304" pitchFamily="18" charset="0"/>
+                <a:ea typeface="宋体" panose="02010600030101010101" pitchFamily="2" charset="-122"/>
+              </a:rPr>
+              <a:t>第一部分：页面的信息</a:t>
+            </a:r>
+          </a:p>
+          <a:p>
+            <a:pPr algn="just">
+              <a:spcAft>
+                <a:spcPts val="0"/>
+              </a:spcAft>
+            </a:pPr>
+            <a:r>
+              <a:rPr lang="zh-CN" altLang="zh-CN" kern="100" dirty="0">
+                <a:latin typeface="Times New Roman" panose="02020603050405020304" pitchFamily="18" charset="0"/>
+                <a:ea typeface="宋体" panose="02010600030101010101" pitchFamily="2" charset="-122"/>
+              </a:rPr>
+              <a:t>包括页面标题、</a:t>
+            </a:r>
+            <a:r>
+              <a:rPr lang="en-US" altLang="zh-CN" kern="100" dirty="0">
+                <a:latin typeface="Times New Roman" panose="02020603050405020304" pitchFamily="18" charset="0"/>
+                <a:ea typeface="宋体" panose="02010600030101010101" pitchFamily="2" charset="-122"/>
+              </a:rPr>
+              <a:t>logo</a:t>
+            </a:r>
+            <a:r>
+              <a:rPr lang="zh-CN" altLang="zh-CN" kern="100" dirty="0">
+                <a:latin typeface="Times New Roman" panose="02020603050405020304" pitchFamily="18" charset="0"/>
+                <a:ea typeface="宋体" panose="02010600030101010101" pitchFamily="2" charset="-122"/>
+              </a:rPr>
+              <a:t>、</a:t>
+            </a:r>
+            <a:r>
+              <a:rPr lang="en-US" altLang="zh-CN" kern="100" dirty="0" err="1">
+                <a:latin typeface="Times New Roman" panose="02020603050405020304" pitchFamily="18" charset="0"/>
+                <a:ea typeface="宋体" panose="02010600030101010101" pitchFamily="2" charset="-122"/>
+              </a:rPr>
+              <a:t>Github</a:t>
+            </a:r>
+            <a:r>
+              <a:rPr lang="zh-CN" altLang="zh-CN" kern="100" dirty="0">
+                <a:latin typeface="Times New Roman" panose="02020603050405020304" pitchFamily="18" charset="0"/>
+                <a:ea typeface="宋体" panose="02010600030101010101" pitchFamily="2" charset="-122"/>
+              </a:rPr>
+              <a:t>链接以及中英文跳转链接。</a:t>
+            </a:r>
+          </a:p>
+          <a:p>
+            <a:pPr algn="just">
+              <a:spcAft>
+                <a:spcPts val="0"/>
+              </a:spcAft>
+            </a:pPr>
+            <a:r>
+              <a:rPr lang="zh-CN" altLang="zh-CN" kern="100" dirty="0">
+                <a:latin typeface="Times New Roman" panose="02020603050405020304" pitchFamily="18" charset="0"/>
+                <a:ea typeface="宋体" panose="02010600030101010101" pitchFamily="2" charset="-122"/>
+              </a:rPr>
+              <a:t>第二部分：输入部分</a:t>
+            </a:r>
+          </a:p>
+          <a:p>
+            <a:pPr algn="just">
+              <a:spcAft>
+                <a:spcPts val="0"/>
+              </a:spcAft>
+            </a:pPr>
+            <a:r>
+              <a:rPr lang="zh-CN" altLang="zh-CN" kern="100" dirty="0">
+                <a:latin typeface="Times New Roman" panose="02020603050405020304" pitchFamily="18" charset="0"/>
+                <a:ea typeface="宋体" panose="02010600030101010101" pitchFamily="2" charset="-122"/>
+              </a:rPr>
+              <a:t>用户输入通过一个</a:t>
+            </a:r>
+            <a:r>
+              <a:rPr lang="en-US" altLang="zh-CN" kern="100" dirty="0">
+                <a:latin typeface="Times New Roman" panose="02020603050405020304" pitchFamily="18" charset="0"/>
+                <a:ea typeface="宋体" panose="02010600030101010101" pitchFamily="2" charset="-122"/>
+              </a:rPr>
+              <a:t>form</a:t>
+            </a:r>
+            <a:r>
+              <a:rPr lang="zh-CN" altLang="zh-CN" kern="100" dirty="0">
+                <a:latin typeface="Times New Roman" panose="02020603050405020304" pitchFamily="18" charset="0"/>
+                <a:ea typeface="宋体" panose="02010600030101010101" pitchFamily="2" charset="-122"/>
+              </a:rPr>
+              <a:t>表单进行输入以及提交。 表单中有四个部分，</a:t>
+            </a:r>
+            <a:r>
+              <a:rPr lang="en-US" altLang="zh-CN" kern="100" dirty="0">
+                <a:latin typeface="Times New Roman" panose="02020603050405020304" pitchFamily="18" charset="0"/>
+                <a:ea typeface="宋体" panose="02010600030101010101" pitchFamily="2" charset="-122"/>
+              </a:rPr>
+              <a:t>&lt;select&gt;</a:t>
+            </a:r>
+            <a:r>
+              <a:rPr lang="zh-CN" altLang="zh-CN" kern="100" dirty="0">
+                <a:latin typeface="Times New Roman" panose="02020603050405020304" pitchFamily="18" charset="0"/>
+                <a:ea typeface="宋体" panose="02010600030101010101" pitchFamily="2" charset="-122"/>
+              </a:rPr>
+              <a:t>下拉框，文件域，</a:t>
+            </a:r>
+            <a:r>
+              <a:rPr lang="en-US" altLang="zh-CN" kern="100" dirty="0">
+                <a:latin typeface="Times New Roman" panose="02020603050405020304" pitchFamily="18" charset="0"/>
+                <a:ea typeface="宋体" panose="02010600030101010101" pitchFamily="2" charset="-122"/>
+              </a:rPr>
+              <a:t>number</a:t>
+            </a:r>
+            <a:r>
+              <a:rPr lang="zh-CN" altLang="zh-CN" kern="100" dirty="0">
+                <a:latin typeface="Times New Roman" panose="02020603050405020304" pitchFamily="18" charset="0"/>
+                <a:ea typeface="宋体" panose="02010600030101010101" pitchFamily="2" charset="-122"/>
+              </a:rPr>
+              <a:t>字段和一个</a:t>
+            </a:r>
+            <a:r>
+              <a:rPr lang="en-US" altLang="zh-CN" kern="100" dirty="0">
+                <a:latin typeface="Times New Roman" panose="02020603050405020304" pitchFamily="18" charset="0"/>
+                <a:ea typeface="宋体" panose="02010600030101010101" pitchFamily="2" charset="-122"/>
+              </a:rPr>
+              <a:t>&lt;button&gt;</a:t>
+            </a:r>
+            <a:r>
+              <a:rPr lang="zh-CN" altLang="zh-CN" kern="100" dirty="0">
+                <a:latin typeface="Times New Roman" panose="02020603050405020304" pitchFamily="18" charset="0"/>
+                <a:ea typeface="宋体" panose="02010600030101010101" pitchFamily="2" charset="-122"/>
+              </a:rPr>
+              <a:t>按钮。用户可以通过下拉框选择预置好的文章或者点击自行上传按钮上传一篇文章，然后在文本框中输入要生成的句子数量（限制了类型为数字，输入范围是</a:t>
+            </a:r>
+            <a:r>
+              <a:rPr lang="en-US" altLang="zh-CN" kern="100" dirty="0">
+                <a:latin typeface="Times New Roman" panose="02020603050405020304" pitchFamily="18" charset="0"/>
+                <a:ea typeface="宋体" panose="02010600030101010101" pitchFamily="2" charset="-122"/>
+              </a:rPr>
+              <a:t>0~1000</a:t>
+            </a:r>
+            <a:r>
+              <a:rPr lang="zh-CN" altLang="zh-CN" kern="100" dirty="0">
+                <a:latin typeface="Times New Roman" panose="02020603050405020304" pitchFamily="18" charset="0"/>
+                <a:ea typeface="宋体" panose="02010600030101010101" pitchFamily="2" charset="-122"/>
+              </a:rPr>
+              <a:t>），最后点击生成按钮。此时表单数据会通过</a:t>
+            </a:r>
+            <a:r>
+              <a:rPr lang="en-US" altLang="zh-CN" kern="100" dirty="0">
+                <a:latin typeface="Times New Roman" panose="02020603050405020304" pitchFamily="18" charset="0"/>
+                <a:ea typeface="宋体" panose="02010600030101010101" pitchFamily="2" charset="-122"/>
+              </a:rPr>
+              <a:t>flask</a:t>
+            </a:r>
+            <a:r>
+              <a:rPr lang="zh-CN" altLang="zh-CN" kern="100" dirty="0">
+                <a:latin typeface="Times New Roman" panose="02020603050405020304" pitchFamily="18" charset="0"/>
+                <a:ea typeface="宋体" panose="02010600030101010101" pitchFamily="2" charset="-122"/>
+              </a:rPr>
+              <a:t>框架传递给后端。自行上传按钮本质上是一个文件域，通过</a:t>
+            </a:r>
+            <a:r>
+              <a:rPr lang="en-US" altLang="zh-CN" kern="100" dirty="0" err="1">
+                <a:latin typeface="Times New Roman" panose="02020603050405020304" pitchFamily="18" charset="0"/>
+                <a:ea typeface="宋体" panose="02010600030101010101" pitchFamily="2" charset="-122"/>
+              </a:rPr>
+              <a:t>css</a:t>
+            </a:r>
+            <a:r>
+              <a:rPr lang="zh-CN" altLang="zh-CN" kern="100" dirty="0">
+                <a:latin typeface="Times New Roman" panose="02020603050405020304" pitchFamily="18" charset="0"/>
+                <a:ea typeface="宋体" panose="02010600030101010101" pitchFamily="2" charset="-122"/>
+              </a:rPr>
+              <a:t>重新设计样式使其和生成按钮统一。</a:t>
+            </a:r>
+          </a:p>
+        </p:txBody>
+      </p:sp>
+      <p:pic>
+        <p:nvPicPr>
+          <p:cNvPr id="7" name="内容占位符 3">
+            <a:extLst>
+              <a:ext uri="{FF2B5EF4-FFF2-40B4-BE49-F238E27FC236}">
+                <a16:creationId xmlns:a16="http://schemas.microsoft.com/office/drawing/2014/main" id="{75DBDAC9-A279-4671-8A73-C5AA51102D46}"/>
+              </a:ext>
+            </a:extLst>
+          </p:cNvPr>
+          <p:cNvPicPr>
+            <a:picLocks noGrp="1"/>
+          </p:cNvPicPr>
           <p:nvPr>
             <p:ph idx="1"/>
           </p:nvPr>
-        </p:nvSpPr>
-        <p:spPr/>
-        <p:txBody>
-          <a:bodyPr/>
-          <a:lstStyle/>
-          <a:p>
-            <a:endParaRPr lang="zh-CN" altLang="en-US"/>
-          </a:p>
-        </p:txBody>
-      </p:sp>
+        </p:nvPicPr>
+        <p:blipFill>
+          <a:blip r:embed="rId2" cstate="print">
+            <a:extLst>
+              <a:ext uri="{28A0092B-C50C-407E-A947-70E740481C1C}">
+                <a14:useLocalDpi xmlns:a14="http://schemas.microsoft.com/office/drawing/2010/main" val="0"/>
+              </a:ext>
+            </a:extLst>
+          </a:blip>
+          <a:srcRect/>
+          <a:stretch>
+            <a:fillRect/>
+          </a:stretch>
+        </p:blipFill>
+        <p:spPr bwMode="auto">
+          <a:xfrm>
+            <a:off x="360680" y="1908746"/>
+            <a:ext cx="5735320" cy="3667464"/>
+          </a:xfrm>
+          <a:prstGeom prst="rect">
+            <a:avLst/>
+          </a:prstGeom>
+          <a:noFill/>
+          <a:ln>
+            <a:noFill/>
+          </a:ln>
+        </p:spPr>
+      </p:pic>
     </p:spTree>
     <p:extLst>
       <p:ext uri="{BB962C8B-B14F-4D97-AF65-F5344CB8AC3E}">
@@ -3859,41 +5854,360 @@
           <a:p>
             <a:r>
               <a:rPr lang="zh-CN" altLang="zh-CN" b="1" dirty="0"/>
-              <a:t>测试分析</a:t>
+              <a:t>系统设计与实现</a:t>
             </a:r>
             <a:endParaRPr lang="zh-CN" altLang="en-US" dirty="0"/>
           </a:p>
         </p:txBody>
       </p:sp>
-      <p:sp>
-        <p:nvSpPr>
-          <p:cNvPr id="3" name="内容占位符 2">
-            <a:extLst>
-              <a:ext uri="{FF2B5EF4-FFF2-40B4-BE49-F238E27FC236}">
-                <a16:creationId xmlns:a16="http://schemas.microsoft.com/office/drawing/2014/main" id="{4CDFC944-027D-461F-B739-645E70915A3F}"/>
-              </a:ext>
-            </a:extLst>
-          </p:cNvPr>
-          <p:cNvSpPr>
-            <a:spLocks noGrp="1"/>
-          </p:cNvSpPr>
-          <p:nvPr>
-            <p:ph idx="1"/>
-          </p:nvPr>
-        </p:nvSpPr>
-        <p:spPr/>
-        <p:txBody>
-          <a:bodyPr/>
+      <p:pic>
+        <p:nvPicPr>
+          <p:cNvPr id="4" name="图片 3">
+            <a:extLst>
+              <a:ext uri="{FF2B5EF4-FFF2-40B4-BE49-F238E27FC236}">
+                <a16:creationId xmlns:a16="http://schemas.microsoft.com/office/drawing/2014/main" id="{9C05518F-7EB2-401C-93F7-67D85606081A}"/>
+              </a:ext>
+            </a:extLst>
+          </p:cNvPr>
+          <p:cNvPicPr/>
+          <p:nvPr/>
+        </p:nvPicPr>
+        <p:blipFill>
+          <a:blip r:embed="rId2">
+            <a:extLst>
+              <a:ext uri="{28A0092B-C50C-407E-A947-70E740481C1C}">
+                <a14:useLocalDpi xmlns:a14="http://schemas.microsoft.com/office/drawing/2010/main" val="0"/>
+              </a:ext>
+            </a:extLst>
+          </a:blip>
+          <a:stretch>
+            <a:fillRect/>
+          </a:stretch>
+        </p:blipFill>
+        <p:spPr>
+          <a:xfrm>
+            <a:off x="725905" y="1387475"/>
+            <a:ext cx="4210050" cy="5105400"/>
+          </a:xfrm>
+          <a:prstGeom prst="rect">
+            <a:avLst/>
+          </a:prstGeom>
+        </p:spPr>
+      </p:pic>
+      <p:sp>
+        <p:nvSpPr>
+          <p:cNvPr id="5" name="矩形 4">
+            <a:extLst>
+              <a:ext uri="{FF2B5EF4-FFF2-40B4-BE49-F238E27FC236}">
+                <a16:creationId xmlns:a16="http://schemas.microsoft.com/office/drawing/2014/main" id="{40ADFC9C-13A3-4A77-8A1C-00118B5344AA}"/>
+              </a:ext>
+            </a:extLst>
+          </p:cNvPr>
+          <p:cNvSpPr/>
+          <p:nvPr/>
+        </p:nvSpPr>
+        <p:spPr>
+          <a:xfrm>
+            <a:off x="5375110" y="895723"/>
+            <a:ext cx="6096000" cy="5355312"/>
+          </a:xfrm>
+          <a:prstGeom prst="rect">
+            <a:avLst/>
+          </a:prstGeom>
+        </p:spPr>
+        <p:txBody>
+          <a:bodyPr>
+            <a:spAutoFit/>
+          </a:bodyPr>
           <a:lstStyle/>
           <a:p>
-            <a:endParaRPr lang="zh-CN" altLang="en-US"/>
+            <a:pPr algn="just">
+              <a:spcAft>
+                <a:spcPts val="0"/>
+              </a:spcAft>
+            </a:pPr>
+            <a:r>
+              <a:rPr lang="zh-CN" altLang="zh-CN" b="1" kern="100" dirty="0">
+                <a:latin typeface="Times New Roman" panose="02020603050405020304" pitchFamily="18" charset="0"/>
+                <a:ea typeface="宋体" panose="02010600030101010101" pitchFamily="2" charset="-122"/>
+              </a:rPr>
+              <a:t>解析文本模块</a:t>
+            </a:r>
+            <a:endParaRPr lang="zh-CN" altLang="zh-CN" kern="100" dirty="0">
+              <a:latin typeface="Times New Roman" panose="02020603050405020304" pitchFamily="18" charset="0"/>
+              <a:ea typeface="宋体" panose="02010600030101010101" pitchFamily="2" charset="-122"/>
+            </a:endParaRPr>
+          </a:p>
+          <a:p>
+            <a:pPr algn="just">
+              <a:spcAft>
+                <a:spcPts val="0"/>
+              </a:spcAft>
+            </a:pPr>
+            <a:r>
+              <a:rPr lang="en-US" altLang="zh-CN" b="1" kern="100" dirty="0">
+                <a:latin typeface="Times New Roman" panose="02020603050405020304" pitchFamily="18" charset="0"/>
+                <a:ea typeface="宋体" panose="02010600030101010101" pitchFamily="2" charset="-122"/>
+              </a:rPr>
+              <a:t> </a:t>
+            </a:r>
+            <a:endParaRPr lang="zh-CN" altLang="zh-CN" kern="100" dirty="0">
+              <a:latin typeface="Times New Roman" panose="02020603050405020304" pitchFamily="18" charset="0"/>
+              <a:ea typeface="宋体" panose="02010600030101010101" pitchFamily="2" charset="-122"/>
+            </a:endParaRPr>
+          </a:p>
+          <a:p>
+            <a:pPr algn="just">
+              <a:spcAft>
+                <a:spcPts val="0"/>
+              </a:spcAft>
+            </a:pPr>
+            <a:r>
+              <a:rPr lang="zh-CN" altLang="zh-CN" kern="100" dirty="0">
+                <a:latin typeface="Times New Roman" panose="02020603050405020304" pitchFamily="18" charset="0"/>
+                <a:ea typeface="宋体" panose="02010600030101010101" pitchFamily="2" charset="-122"/>
+              </a:rPr>
+              <a:t>解析收到的</a:t>
+            </a:r>
+            <a:r>
+              <a:rPr lang="en-US" altLang="zh-CN" kern="100" dirty="0">
+                <a:latin typeface="Times New Roman" panose="02020603050405020304" pitchFamily="18" charset="0"/>
+                <a:ea typeface="宋体" panose="02010600030101010101" pitchFamily="2" charset="-122"/>
+              </a:rPr>
+              <a:t>txt</a:t>
+            </a:r>
+            <a:r>
+              <a:rPr lang="zh-CN" altLang="zh-CN" kern="100" dirty="0">
+                <a:latin typeface="Times New Roman" panose="02020603050405020304" pitchFamily="18" charset="0"/>
+                <a:ea typeface="宋体" panose="02010600030101010101" pitchFamily="2" charset="-122"/>
+              </a:rPr>
+              <a:t>格式文本文件，首先消除文本中的</a:t>
+            </a:r>
+            <a:r>
+              <a:rPr lang="en-US" altLang="zh-CN" kern="100" dirty="0">
+                <a:latin typeface="Times New Roman" panose="02020603050405020304" pitchFamily="18" charset="0"/>
+                <a:ea typeface="宋体" panose="02010600030101010101" pitchFamily="2" charset="-122"/>
+              </a:rPr>
+              <a:t>\n</a:t>
+            </a:r>
+            <a:r>
+              <a:rPr lang="zh-CN" altLang="zh-CN" kern="100" dirty="0">
+                <a:latin typeface="Times New Roman" panose="02020603050405020304" pitchFamily="18" charset="0"/>
+                <a:ea typeface="宋体" panose="02010600030101010101" pitchFamily="2" charset="-122"/>
+              </a:rPr>
+              <a:t>和类似“</a:t>
+            </a:r>
+            <a:r>
+              <a:rPr lang="en-US" altLang="zh-CN" kern="100" dirty="0">
+                <a:latin typeface="Times New Roman" panose="02020603050405020304" pitchFamily="18" charset="0"/>
+                <a:ea typeface="宋体" panose="02010600030101010101" pitchFamily="2" charset="-122"/>
+              </a:rPr>
+              <a:t>Page</a:t>
+            </a:r>
+            <a:r>
+              <a:rPr lang="zh-CN" altLang="zh-CN" kern="100" dirty="0">
+                <a:latin typeface="Times New Roman" panose="02020603050405020304" pitchFamily="18" charset="0"/>
+                <a:ea typeface="宋体" panose="02010600030101010101" pitchFamily="2" charset="-122"/>
+              </a:rPr>
+              <a:t>”字样，然后利用正则表达式将文本根据文本结束符（句号、感叹号、问号等）分隔句子。对每个句子添加</a:t>
+            </a:r>
+            <a:r>
+              <a:rPr lang="en-US" altLang="zh-CN" kern="100" dirty="0">
+                <a:latin typeface="Times New Roman" panose="02020603050405020304" pitchFamily="18" charset="0"/>
+                <a:ea typeface="宋体" panose="02010600030101010101" pitchFamily="2" charset="-122"/>
+              </a:rPr>
+              <a:t>”^”</a:t>
+            </a:r>
+            <a:r>
+              <a:rPr lang="zh-CN" altLang="zh-CN" kern="100" dirty="0">
+                <a:latin typeface="Times New Roman" panose="02020603050405020304" pitchFamily="18" charset="0"/>
+                <a:ea typeface="宋体" panose="02010600030101010101" pitchFamily="2" charset="-122"/>
+              </a:rPr>
+              <a:t>作为句首标记，</a:t>
+            </a:r>
+            <a:r>
+              <a:rPr lang="en-US" altLang="zh-CN" kern="100" dirty="0">
+                <a:latin typeface="Times New Roman" panose="02020603050405020304" pitchFamily="18" charset="0"/>
+                <a:ea typeface="宋体" panose="02010600030101010101" pitchFamily="2" charset="-122"/>
+              </a:rPr>
+              <a:t>”$”</a:t>
+            </a:r>
+            <a:r>
+              <a:rPr lang="zh-CN" altLang="zh-CN" kern="100" dirty="0">
+                <a:latin typeface="Times New Roman" panose="02020603050405020304" pitchFamily="18" charset="0"/>
+                <a:ea typeface="宋体" panose="02010600030101010101" pitchFamily="2" charset="-122"/>
+              </a:rPr>
+              <a:t>作为句尾标记，循环遍历每个句子，对每个单词和其后的单词，如果这样的组合从未出现，则将其放入字典中，并将</a:t>
+            </a:r>
+            <a:r>
+              <a:rPr lang="en-US" altLang="zh-CN" kern="100" dirty="0">
+                <a:latin typeface="Times New Roman" panose="02020603050405020304" pitchFamily="18" charset="0"/>
+                <a:ea typeface="宋体" panose="02010600030101010101" pitchFamily="2" charset="-122"/>
+              </a:rPr>
+              <a:t>count</a:t>
+            </a:r>
+            <a:r>
+              <a:rPr lang="zh-CN" altLang="zh-CN" kern="100" dirty="0">
+                <a:latin typeface="Times New Roman" panose="02020603050405020304" pitchFamily="18" charset="0"/>
+                <a:ea typeface="宋体" panose="02010600030101010101" pitchFamily="2" charset="-122"/>
+              </a:rPr>
+              <a:t>设置为</a:t>
+            </a:r>
+            <a:r>
+              <a:rPr lang="en-US" altLang="zh-CN" kern="100" dirty="0">
+                <a:latin typeface="Times New Roman" panose="02020603050405020304" pitchFamily="18" charset="0"/>
+                <a:ea typeface="宋体" panose="02010600030101010101" pitchFamily="2" charset="-122"/>
+              </a:rPr>
+              <a:t>1</a:t>
+            </a:r>
+            <a:r>
+              <a:rPr lang="zh-CN" altLang="zh-CN" kern="100" dirty="0">
+                <a:latin typeface="Times New Roman" panose="02020603050405020304" pitchFamily="18" charset="0"/>
+                <a:ea typeface="宋体" panose="02010600030101010101" pitchFamily="2" charset="-122"/>
+              </a:rPr>
+              <a:t>；如果这样的组合已经出现，则将对应的</a:t>
+            </a:r>
+            <a:r>
+              <a:rPr lang="en-US" altLang="zh-CN" kern="100" dirty="0">
+                <a:latin typeface="Times New Roman" panose="02020603050405020304" pitchFamily="18" charset="0"/>
+                <a:ea typeface="宋体" panose="02010600030101010101" pitchFamily="2" charset="-122"/>
+              </a:rPr>
+              <a:t>count</a:t>
+            </a:r>
+            <a:r>
+              <a:rPr lang="zh-CN" altLang="zh-CN" kern="100" dirty="0">
+                <a:latin typeface="Times New Roman" panose="02020603050405020304" pitchFamily="18" charset="0"/>
+                <a:ea typeface="宋体" panose="02010600030101010101" pitchFamily="2" charset="-122"/>
+              </a:rPr>
+              <a:t>加</a:t>
+            </a:r>
+            <a:r>
+              <a:rPr lang="en-US" altLang="zh-CN" kern="100" dirty="0">
+                <a:latin typeface="Times New Roman" panose="02020603050405020304" pitchFamily="18" charset="0"/>
+                <a:ea typeface="宋体" panose="02010600030101010101" pitchFamily="2" charset="-122"/>
+              </a:rPr>
+              <a:t>1</a:t>
+            </a:r>
+            <a:r>
+              <a:rPr lang="zh-CN" altLang="zh-CN" kern="100" dirty="0">
+                <a:latin typeface="Times New Roman" panose="02020603050405020304" pitchFamily="18" charset="0"/>
+                <a:ea typeface="宋体" panose="02010600030101010101" pitchFamily="2" charset="-122"/>
+              </a:rPr>
+              <a:t>。这样可以得到一个以字典为基础的数据集。</a:t>
+            </a:r>
+          </a:p>
+          <a:p>
+            <a:pPr algn="just">
+              <a:spcAft>
+                <a:spcPts val="0"/>
+              </a:spcAft>
+            </a:pPr>
+            <a:r>
+              <a:rPr lang="en-US" altLang="zh-CN" kern="100" dirty="0">
+                <a:latin typeface="Times New Roman" panose="02020603050405020304" pitchFamily="18" charset="0"/>
+                <a:ea typeface="宋体" panose="02010600030101010101" pitchFamily="2" charset="-122"/>
+              </a:rPr>
+              <a:t> </a:t>
+            </a:r>
+            <a:endParaRPr lang="zh-CN" altLang="zh-CN" kern="100" dirty="0">
+              <a:latin typeface="Times New Roman" panose="02020603050405020304" pitchFamily="18" charset="0"/>
+              <a:ea typeface="宋体" panose="02010600030101010101" pitchFamily="2" charset="-122"/>
+            </a:endParaRPr>
+          </a:p>
+          <a:p>
+            <a:pPr algn="just">
+              <a:spcAft>
+                <a:spcPts val="0"/>
+              </a:spcAft>
+            </a:pPr>
+            <a:r>
+              <a:rPr lang="zh-CN" altLang="zh-CN" b="1" kern="100" dirty="0">
+                <a:latin typeface="Times New Roman" panose="02020603050405020304" pitchFamily="18" charset="0"/>
+                <a:ea typeface="宋体" panose="02010600030101010101" pitchFamily="2" charset="-122"/>
+              </a:rPr>
+              <a:t>生成文本模块</a:t>
+            </a:r>
+            <a:endParaRPr lang="zh-CN" altLang="zh-CN" kern="100" dirty="0">
+              <a:latin typeface="Times New Roman" panose="02020603050405020304" pitchFamily="18" charset="0"/>
+              <a:ea typeface="宋体" panose="02010600030101010101" pitchFamily="2" charset="-122"/>
+            </a:endParaRPr>
+          </a:p>
+          <a:p>
+            <a:pPr algn="just">
+              <a:spcAft>
+                <a:spcPts val="0"/>
+              </a:spcAft>
+            </a:pPr>
+            <a:r>
+              <a:rPr lang="zh-CN" altLang="zh-CN" kern="100" dirty="0">
+                <a:latin typeface="Times New Roman" panose="02020603050405020304" pitchFamily="18" charset="0"/>
+                <a:ea typeface="宋体" panose="02010600030101010101" pitchFamily="2" charset="-122"/>
+              </a:rPr>
+              <a:t>针对生成的数据集，设定一个句子的句首必须为</a:t>
+            </a:r>
+            <a:r>
+              <a:rPr lang="en-US" altLang="zh-CN" kern="100" dirty="0">
+                <a:latin typeface="Times New Roman" panose="02020603050405020304" pitchFamily="18" charset="0"/>
+                <a:ea typeface="宋体" panose="02010600030101010101" pitchFamily="2" charset="-122"/>
+              </a:rPr>
+              <a:t>”^”</a:t>
+            </a:r>
+            <a:r>
+              <a:rPr lang="zh-CN" altLang="zh-CN" kern="100" dirty="0">
+                <a:latin typeface="Times New Roman" panose="02020603050405020304" pitchFamily="18" charset="0"/>
+                <a:ea typeface="宋体" panose="02010600030101010101" pitchFamily="2" charset="-122"/>
+              </a:rPr>
+              <a:t>，以此为首单词，根据马尔可夫链的思想，生成下一个单词，随机生成的过程如下：首先，对某一单词的下一单词列表的</a:t>
+            </a:r>
+            <a:r>
+              <a:rPr lang="en-US" altLang="zh-CN" kern="100" dirty="0">
+                <a:latin typeface="Times New Roman" panose="02020603050405020304" pitchFamily="18" charset="0"/>
+                <a:ea typeface="宋体" panose="02010600030101010101" pitchFamily="2" charset="-122"/>
+              </a:rPr>
+              <a:t>count</a:t>
+            </a:r>
+            <a:r>
+              <a:rPr lang="zh-CN" altLang="zh-CN" kern="100" dirty="0">
+                <a:latin typeface="Times New Roman" panose="02020603050405020304" pitchFamily="18" charset="0"/>
+                <a:ea typeface="宋体" panose="02010600030101010101" pitchFamily="2" charset="-122"/>
+              </a:rPr>
+              <a:t>值进行遍历求和，得到下一单词出现的频数总和，生成一个随机数范围在</a:t>
+            </a:r>
+            <a:r>
+              <a:rPr lang="en-US" altLang="zh-CN" kern="100" dirty="0">
+                <a:latin typeface="Times New Roman" panose="02020603050405020304" pitchFamily="18" charset="0"/>
+                <a:ea typeface="宋体" panose="02010600030101010101" pitchFamily="2" charset="-122"/>
+              </a:rPr>
+              <a:t>1</a:t>
+            </a:r>
+            <a:r>
+              <a:rPr lang="zh-CN" altLang="zh-CN" kern="100" dirty="0">
+                <a:latin typeface="Times New Roman" panose="02020603050405020304" pitchFamily="18" charset="0"/>
+                <a:ea typeface="宋体" panose="02010600030101010101" pitchFamily="2" charset="-122"/>
+              </a:rPr>
+              <a:t>到频数总和之间，继续遍历下一单词的字典，得到下一单词，直到生成的下一单词为</a:t>
+            </a:r>
+            <a:r>
+              <a:rPr lang="en-US" altLang="zh-CN" kern="100" dirty="0">
+                <a:latin typeface="Times New Roman" panose="02020603050405020304" pitchFamily="18" charset="0"/>
+                <a:ea typeface="宋体" panose="02010600030101010101" pitchFamily="2" charset="-122"/>
+              </a:rPr>
+              <a:t>”$”</a:t>
+            </a:r>
+            <a:r>
+              <a:rPr lang="zh-CN" altLang="zh-CN" kern="100" dirty="0">
+                <a:latin typeface="Times New Roman" panose="02020603050405020304" pitchFamily="18" charset="0"/>
+                <a:ea typeface="宋体" panose="02010600030101010101" pitchFamily="2" charset="-122"/>
+              </a:rPr>
+              <a:t>，停止生成。</a:t>
+            </a:r>
           </a:p>
         </p:txBody>
       </p:sp>
     </p:spTree>
     <p:extLst>
       <p:ext uri="{BB962C8B-B14F-4D97-AF65-F5344CB8AC3E}">
-        <p14:creationId xmlns:p14="http://schemas.microsoft.com/office/powerpoint/2010/main" val="2382667921"/>
+        <p14:creationId xmlns:p14="http://schemas.microsoft.com/office/powerpoint/2010/main" val="322047675"/>
       </p:ext>
     </p:extLst>
   </p:cSld>
@@ -3942,43 +6256,52 @@
           <a:lstStyle/>
           <a:p>
             <a:r>
-              <a:rPr lang="zh-CN" altLang="en-US" b="1" dirty="0">
-                <a:latin typeface="+mj-ea"/>
-              </a:rPr>
-              <a:t>小组分工</a:t>
-            </a:r>
-          </a:p>
-        </p:txBody>
-      </p:sp>
-      <p:sp>
-        <p:nvSpPr>
-          <p:cNvPr id="3" name="内容占位符 2">
-            <a:extLst>
-              <a:ext uri="{FF2B5EF4-FFF2-40B4-BE49-F238E27FC236}">
-                <a16:creationId xmlns:a16="http://schemas.microsoft.com/office/drawing/2014/main" id="{4CDFC944-027D-461F-B739-645E70915A3F}"/>
-              </a:ext>
-            </a:extLst>
-          </p:cNvPr>
-          <p:cNvSpPr>
-            <a:spLocks noGrp="1"/>
-          </p:cNvSpPr>
+              <a:rPr lang="zh-CN" altLang="zh-CN" b="1" dirty="0"/>
+              <a:t>测试分析</a:t>
+            </a:r>
+            <a:endParaRPr lang="zh-CN" altLang="en-US" dirty="0"/>
+          </a:p>
+        </p:txBody>
+      </p:sp>
+      <p:pic>
+        <p:nvPicPr>
+          <p:cNvPr id="6" name="内容占位符 5">
+            <a:extLst>
+              <a:ext uri="{FF2B5EF4-FFF2-40B4-BE49-F238E27FC236}">
+                <a16:creationId xmlns:a16="http://schemas.microsoft.com/office/drawing/2014/main" id="{36D32E77-08A0-49A8-8FF7-52D5C9C0EECD}"/>
+              </a:ext>
+            </a:extLst>
+          </p:cNvPr>
+          <p:cNvPicPr>
+            <a:picLocks noGrp="1" noChangeAspect="1"/>
+          </p:cNvPicPr>
           <p:nvPr>
             <p:ph idx="1"/>
           </p:nvPr>
-        </p:nvSpPr>
-        <p:spPr/>
-        <p:txBody>
-          <a:bodyPr/>
-          <a:lstStyle/>
-          <a:p>
-            <a:endParaRPr lang="zh-CN" altLang="en-US" dirty="0"/>
-          </a:p>
-        </p:txBody>
-      </p:sp>
+        </p:nvPicPr>
+        <p:blipFill>
+          <a:blip r:embed="rId2">
+            <a:extLst>
+              <a:ext uri="{28A0092B-C50C-407E-A947-70E740481C1C}">
+                <a14:useLocalDpi xmlns:a14="http://schemas.microsoft.com/office/drawing/2010/main" val="0"/>
+              </a:ext>
+            </a:extLst>
+          </a:blip>
+          <a:stretch>
+            <a:fillRect/>
+          </a:stretch>
+        </p:blipFill>
+        <p:spPr>
+          <a:xfrm>
+            <a:off x="2454078" y="1690688"/>
+            <a:ext cx="7283843" cy="4351338"/>
+          </a:xfrm>
+        </p:spPr>
+      </p:pic>
     </p:spTree>
     <p:extLst>
       <p:ext uri="{BB962C8B-B14F-4D97-AF65-F5344CB8AC3E}">
-        <p14:creationId xmlns:p14="http://schemas.microsoft.com/office/powerpoint/2010/main" val="3378185090"/>
+        <p14:creationId xmlns:p14="http://schemas.microsoft.com/office/powerpoint/2010/main" val="2382667921"/>
       </p:ext>
     </p:extLst>
   </p:cSld>
@@ -4026,74 +6349,241 @@
           <a:bodyPr/>
           <a:lstStyle/>
           <a:p>
-            <a:endParaRPr lang="zh-CN" altLang="en-US"/>
-          </a:p>
-        </p:txBody>
-      </p:sp>
-      <p:sp>
-        <p:nvSpPr>
-          <p:cNvPr id="3" name="内容占位符 2">
-            <a:extLst>
-              <a:ext uri="{FF2B5EF4-FFF2-40B4-BE49-F238E27FC236}">
-                <a16:creationId xmlns:a16="http://schemas.microsoft.com/office/drawing/2014/main" id="{4CDFC944-027D-461F-B739-645E70915A3F}"/>
-              </a:ext>
-            </a:extLst>
-          </p:cNvPr>
-          <p:cNvSpPr>
-            <a:spLocks noGrp="1"/>
-          </p:cNvSpPr>
+            <a:r>
+              <a:rPr lang="zh-CN" altLang="zh-CN" b="1" dirty="0"/>
+              <a:t>测试分析</a:t>
+            </a:r>
+            <a:endParaRPr lang="zh-CN" altLang="en-US" dirty="0"/>
+          </a:p>
+        </p:txBody>
+      </p:sp>
+      <p:pic>
+        <p:nvPicPr>
+          <p:cNvPr id="7" name="内容占位符 6">
+            <a:extLst>
+              <a:ext uri="{FF2B5EF4-FFF2-40B4-BE49-F238E27FC236}">
+                <a16:creationId xmlns:a16="http://schemas.microsoft.com/office/drawing/2014/main" id="{3330D745-76CF-499D-B144-303F5A5E2AA6}"/>
+              </a:ext>
+            </a:extLst>
+          </p:cNvPr>
+          <p:cNvPicPr>
+            <a:picLocks noGrp="1" noChangeAspect="1"/>
+          </p:cNvPicPr>
           <p:nvPr>
             <p:ph idx="1"/>
           </p:nvPr>
-        </p:nvSpPr>
-        <p:spPr/>
-        <p:txBody>
-          <a:bodyPr/>
-          <a:lstStyle/>
-          <a:p>
-            <a:endParaRPr lang="zh-CN" altLang="en-US" dirty="0"/>
-          </a:p>
-        </p:txBody>
-      </p:sp>
-      <p:sp>
-        <p:nvSpPr>
-          <p:cNvPr id="4" name="矩形 3">
-            <a:extLst>
-              <a:ext uri="{FF2B5EF4-FFF2-40B4-BE49-F238E27FC236}">
-                <a16:creationId xmlns:a16="http://schemas.microsoft.com/office/drawing/2014/main" id="{4484725F-93D0-4851-90C7-FF5DE88A573A}"/>
-              </a:ext>
-            </a:extLst>
-          </p:cNvPr>
-          <p:cNvSpPr/>
-          <p:nvPr/>
-        </p:nvSpPr>
+        </p:nvPicPr>
+        <p:blipFill>
+          <a:blip r:embed="rId2">
+            <a:extLst>
+              <a:ext uri="{28A0092B-C50C-407E-A947-70E740481C1C}">
+                <a14:useLocalDpi xmlns:a14="http://schemas.microsoft.com/office/drawing/2010/main" val="0"/>
+              </a:ext>
+            </a:extLst>
+          </a:blip>
+          <a:stretch>
+            <a:fillRect/>
+          </a:stretch>
+        </p:blipFill>
         <p:spPr>
           <a:xfrm>
-            <a:off x="1717963" y="3142780"/>
-            <a:ext cx="6096000" cy="369332"/>
+            <a:off x="2620722" y="1690688"/>
+            <a:ext cx="6950556" cy="4351338"/>
           </a:xfrm>
-          <a:prstGeom prst="rect">
-            <a:avLst/>
-          </a:prstGeom>
         </p:spPr>
-        <p:txBody>
-          <a:bodyPr>
-            <a:spAutoFit/>
-          </a:bodyPr>
-          <a:lstStyle/>
-          <a:p>
-            <a:r>
-              <a:rPr lang="en-US" altLang="zh-CN" dirty="0"/>
-              <a:t>https://github.com/Dysprosium0626/Markov_bot</a:t>
-            </a:r>
-            <a:endParaRPr lang="zh-CN" altLang="en-US" dirty="0"/>
-          </a:p>
-        </p:txBody>
-      </p:sp>
+      </p:pic>
     </p:spTree>
     <p:extLst>
       <p:ext uri="{BB962C8B-B14F-4D97-AF65-F5344CB8AC3E}">
-        <p14:creationId xmlns:p14="http://schemas.microsoft.com/office/powerpoint/2010/main" val="1694560996"/>
+        <p14:creationId xmlns:p14="http://schemas.microsoft.com/office/powerpoint/2010/main" val="1527215258"/>
+      </p:ext>
+    </p:extLst>
+  </p:cSld>
+  <p:clrMapOvr>
+    <a:masterClrMapping/>
+  </p:clrMapOvr>
+</p:sld>
+</file>
+
+<file path=ppt/slides/slide8.xml><?xml version="1.0" encoding="utf-8"?>
+<p:sld xmlns:a="http://schemas.openxmlformats.org/drawingml/2006/main" xmlns:r="http://schemas.openxmlformats.org/officeDocument/2006/relationships" xmlns:p="http://schemas.openxmlformats.org/presentationml/2006/main">
+  <p:cSld>
+    <p:spTree>
+      <p:nvGrpSpPr>
+        <p:cNvPr id="1" name=""/>
+        <p:cNvGrpSpPr/>
+        <p:nvPr/>
+      </p:nvGrpSpPr>
+      <p:grpSpPr>
+        <a:xfrm>
+          <a:off x="0" y="0"/>
+          <a:ext cx="0" cy="0"/>
+          <a:chOff x="0" y="0"/>
+          <a:chExt cx="0" cy="0"/>
+        </a:xfrm>
+      </p:grpSpPr>
+      <p:sp>
+        <p:nvSpPr>
+          <p:cNvPr id="2" name="标题 1">
+            <a:extLst>
+              <a:ext uri="{FF2B5EF4-FFF2-40B4-BE49-F238E27FC236}">
+                <a16:creationId xmlns:a16="http://schemas.microsoft.com/office/drawing/2014/main" id="{86E0E0C3-A532-462B-947B-D50A72F09BB5}"/>
+              </a:ext>
+            </a:extLst>
+          </p:cNvPr>
+          <p:cNvSpPr>
+            <a:spLocks noGrp="1"/>
+          </p:cNvSpPr>
+          <p:nvPr>
+            <p:ph type="title"/>
+          </p:nvPr>
+        </p:nvSpPr>
+        <p:spPr/>
+        <p:txBody>
+          <a:bodyPr/>
+          <a:lstStyle/>
+          <a:p>
+            <a:r>
+              <a:rPr lang="zh-CN" altLang="zh-CN" b="1" dirty="0"/>
+              <a:t>测试分析</a:t>
+            </a:r>
+            <a:endParaRPr lang="zh-CN" altLang="en-US" dirty="0"/>
+          </a:p>
+        </p:txBody>
+      </p:sp>
+      <p:pic>
+        <p:nvPicPr>
+          <p:cNvPr id="6" name="内容占位符 5">
+            <a:extLst>
+              <a:ext uri="{FF2B5EF4-FFF2-40B4-BE49-F238E27FC236}">
+                <a16:creationId xmlns:a16="http://schemas.microsoft.com/office/drawing/2014/main" id="{0C55FE72-0F41-4712-B683-937CD9DF4D9E}"/>
+              </a:ext>
+            </a:extLst>
+          </p:cNvPr>
+          <p:cNvPicPr>
+            <a:picLocks noGrp="1" noChangeAspect="1"/>
+          </p:cNvPicPr>
+          <p:nvPr>
+            <p:ph idx="1"/>
+          </p:nvPr>
+        </p:nvPicPr>
+        <p:blipFill>
+          <a:blip r:embed="rId2">
+            <a:extLst>
+              <a:ext uri="{28A0092B-C50C-407E-A947-70E740481C1C}">
+                <a14:useLocalDpi xmlns:a14="http://schemas.microsoft.com/office/drawing/2010/main" val="0"/>
+              </a:ext>
+            </a:extLst>
+          </a:blip>
+          <a:stretch>
+            <a:fillRect/>
+          </a:stretch>
+        </p:blipFill>
+        <p:spPr>
+          <a:xfrm>
+            <a:off x="2036443" y="1690688"/>
+            <a:ext cx="8119114" cy="4351338"/>
+          </a:xfrm>
+        </p:spPr>
+      </p:pic>
+    </p:spTree>
+    <p:extLst>
+      <p:ext uri="{BB962C8B-B14F-4D97-AF65-F5344CB8AC3E}">
+        <p14:creationId xmlns:p14="http://schemas.microsoft.com/office/powerpoint/2010/main" val="2345582262"/>
+      </p:ext>
+    </p:extLst>
+  </p:cSld>
+  <p:clrMapOvr>
+    <a:masterClrMapping/>
+  </p:clrMapOvr>
+</p:sld>
+</file>
+
+<file path=ppt/slides/slide9.xml><?xml version="1.0" encoding="utf-8"?>
+<p:sld xmlns:a="http://schemas.openxmlformats.org/drawingml/2006/main" xmlns:r="http://schemas.openxmlformats.org/officeDocument/2006/relationships" xmlns:p="http://schemas.openxmlformats.org/presentationml/2006/main">
+  <p:cSld>
+    <p:spTree>
+      <p:nvGrpSpPr>
+        <p:cNvPr id="1" name=""/>
+        <p:cNvGrpSpPr/>
+        <p:nvPr/>
+      </p:nvGrpSpPr>
+      <p:grpSpPr>
+        <a:xfrm>
+          <a:off x="0" y="0"/>
+          <a:ext cx="0" cy="0"/>
+          <a:chOff x="0" y="0"/>
+          <a:chExt cx="0" cy="0"/>
+        </a:xfrm>
+      </p:grpSpPr>
+      <p:sp>
+        <p:nvSpPr>
+          <p:cNvPr id="2" name="标题 1">
+            <a:extLst>
+              <a:ext uri="{FF2B5EF4-FFF2-40B4-BE49-F238E27FC236}">
+                <a16:creationId xmlns:a16="http://schemas.microsoft.com/office/drawing/2014/main" id="{86E0E0C3-A532-462B-947B-D50A72F09BB5}"/>
+              </a:ext>
+            </a:extLst>
+          </p:cNvPr>
+          <p:cNvSpPr>
+            <a:spLocks noGrp="1"/>
+          </p:cNvSpPr>
+          <p:nvPr>
+            <p:ph type="title"/>
+          </p:nvPr>
+        </p:nvSpPr>
+        <p:spPr/>
+        <p:txBody>
+          <a:bodyPr/>
+          <a:lstStyle/>
+          <a:p>
+            <a:r>
+              <a:rPr lang="zh-CN" altLang="zh-CN" b="1" dirty="0"/>
+              <a:t>测试分析</a:t>
+            </a:r>
+            <a:endParaRPr lang="zh-CN" altLang="en-US" dirty="0"/>
+          </a:p>
+        </p:txBody>
+      </p:sp>
+      <p:pic>
+        <p:nvPicPr>
+          <p:cNvPr id="7" name="内容占位符 6">
+            <a:extLst>
+              <a:ext uri="{FF2B5EF4-FFF2-40B4-BE49-F238E27FC236}">
+                <a16:creationId xmlns:a16="http://schemas.microsoft.com/office/drawing/2014/main" id="{D7C3FB9F-53A0-430B-836D-BBDED717075E}"/>
+              </a:ext>
+            </a:extLst>
+          </p:cNvPr>
+          <p:cNvPicPr>
+            <a:picLocks noGrp="1" noChangeAspect="1"/>
+          </p:cNvPicPr>
+          <p:nvPr>
+            <p:ph idx="1"/>
+          </p:nvPr>
+        </p:nvPicPr>
+        <p:blipFill>
+          <a:blip r:embed="rId2">
+            <a:extLst>
+              <a:ext uri="{28A0092B-C50C-407E-A947-70E740481C1C}">
+                <a14:useLocalDpi xmlns:a14="http://schemas.microsoft.com/office/drawing/2010/main" val="0"/>
+              </a:ext>
+            </a:extLst>
+          </a:blip>
+          <a:stretch>
+            <a:fillRect/>
+          </a:stretch>
+        </p:blipFill>
+        <p:spPr>
+          <a:xfrm>
+            <a:off x="2531764" y="1690688"/>
+            <a:ext cx="7128471" cy="4351338"/>
+          </a:xfrm>
+        </p:spPr>
+      </p:pic>
+    </p:spTree>
+    <p:extLst>
+      <p:ext uri="{BB962C8B-B14F-4D97-AF65-F5344CB8AC3E}">
+        <p14:creationId xmlns:p14="http://schemas.microsoft.com/office/powerpoint/2010/main" val="1121664552"/>
       </p:ext>
     </p:extLst>
   </p:cSld>
